--- a/Word/Diagrams/chapter9/old-p-book/Chap3/chap3.figures.pptx
+++ b/Word/Diagrams/chapter9/old-p-book/Chap3/chap3.figures.pptx
@@ -224,7 +224,7 @@
             <a:fld id="{9CCF083D-F2BC-4786-8C77-844DFCD3515B}" type="datetimeFigureOut">
               <a:rPr lang="zh-TW" altLang="en-US" smtClean="0"/>
               <a:pPr/>
-              <a:t>2016/12/29</a:t>
+              <a:t>2021/6/14</a:t>
             </a:fld>
             <a:endParaRPr lang="zh-TW" altLang="en-US"/>
           </a:p>
@@ -288,35 +288,35 @@
           <a:p>
             <a:pPr lvl="0"/>
             <a:r>
-              <a:rPr lang="en-US" altLang="zh-TW" smtClean="0"/>
+              <a:rPr lang="en-US" altLang="zh-TW"/>
               <a:t>Click to edit Master text styles</a:t>
             </a:r>
           </a:p>
           <a:p>
             <a:pPr lvl="1"/>
             <a:r>
-              <a:rPr lang="en-US" altLang="zh-TW" smtClean="0"/>
+              <a:rPr lang="en-US" altLang="zh-TW"/>
               <a:t>Second level</a:t>
             </a:r>
           </a:p>
           <a:p>
             <a:pPr lvl="2"/>
             <a:r>
-              <a:rPr lang="en-US" altLang="zh-TW" smtClean="0"/>
+              <a:rPr lang="en-US" altLang="zh-TW"/>
               <a:t>Third level</a:t>
             </a:r>
           </a:p>
           <a:p>
             <a:pPr lvl="3"/>
             <a:r>
-              <a:rPr lang="en-US" altLang="zh-TW" smtClean="0"/>
+              <a:rPr lang="en-US" altLang="zh-TW"/>
               <a:t>Fourth level</a:t>
             </a:r>
           </a:p>
           <a:p>
             <a:pPr lvl="4"/>
             <a:r>
-              <a:rPr lang="en-US" altLang="zh-TW" smtClean="0"/>
+              <a:rPr lang="en-US" altLang="zh-TW"/>
               <a:t>Fifth level</a:t>
             </a:r>
             <a:endParaRPr lang="zh-TW" altLang="en-US"/>
@@ -542,7 +542,7 @@
           </a:lstStyle>
           <a:p>
             <a:r>
-              <a:rPr lang="en-US" smtClean="0"/>
+              <a:rPr lang="en-US"/>
               <a:t>Click to edit Master title style</a:t>
             </a:r>
             <a:endParaRPr lang="en-US" dirty="0"/>
@@ -663,7 +663,7 @@
           </a:lstStyle>
           <a:p>
             <a:r>
-              <a:rPr lang="en-US" smtClean="0"/>
+              <a:rPr lang="en-US"/>
               <a:t>Click to edit Master subtitle style</a:t>
             </a:r>
             <a:endParaRPr lang="en-US" dirty="0"/>
@@ -688,7 +688,7 @@
             <a:fld id="{E3D07B0C-BD95-41BE-BB3E-AC75822DF381}" type="datetimeFigureOut">
               <a:rPr lang="en-US" smtClean="0"/>
               <a:pPr/>
-              <a:t>12/29/2016</a:t>
+              <a:t>6/14/2021</a:t>
             </a:fld>
             <a:endParaRPr lang="en-US"/>
           </a:p>
@@ -778,10 +778,9 @@
           <a:lstStyle/>
           <a:p>
             <a:r>
-              <a:rPr lang="en-US" smtClean="0"/>
+              <a:rPr lang="en-US"/>
               <a:t>Click to edit Master title style</a:t>
             </a:r>
-            <a:endParaRPr lang="en-US"/>
           </a:p>
         </p:txBody>
       </p:sp>
@@ -802,38 +801,37 @@
           <a:p>
             <a:pPr lvl="0"/>
             <a:r>
-              <a:rPr lang="en-US" smtClean="0"/>
+              <a:rPr lang="en-US"/>
               <a:t>Click to edit Master text styles</a:t>
             </a:r>
           </a:p>
           <a:p>
             <a:pPr lvl="1"/>
             <a:r>
-              <a:rPr lang="en-US" smtClean="0"/>
+              <a:rPr lang="en-US"/>
               <a:t>Second level</a:t>
             </a:r>
           </a:p>
           <a:p>
             <a:pPr lvl="2"/>
             <a:r>
-              <a:rPr lang="en-US" smtClean="0"/>
+              <a:rPr lang="en-US"/>
               <a:t>Third level</a:t>
             </a:r>
           </a:p>
           <a:p>
             <a:pPr lvl="3"/>
             <a:r>
-              <a:rPr lang="en-US" smtClean="0"/>
+              <a:rPr lang="en-US"/>
               <a:t>Fourth level</a:t>
             </a:r>
           </a:p>
           <a:p>
             <a:pPr lvl="4"/>
             <a:r>
-              <a:rPr lang="en-US" smtClean="0"/>
+              <a:rPr lang="en-US"/>
               <a:t>Fifth level</a:t>
             </a:r>
-            <a:endParaRPr lang="en-US"/>
           </a:p>
         </p:txBody>
       </p:sp>
@@ -855,7 +853,7 @@
             <a:fld id="{E3D07B0C-BD95-41BE-BB3E-AC75822DF381}" type="datetimeFigureOut">
               <a:rPr lang="en-US" smtClean="0"/>
               <a:pPr/>
-              <a:t>12/29/2016</a:t>
+              <a:t>6/14/2021</a:t>
             </a:fld>
             <a:endParaRPr lang="en-US"/>
           </a:p>
@@ -950,7 +948,7 @@
           <a:lstStyle/>
           <a:p>
             <a:r>
-              <a:rPr lang="en-US" smtClean="0"/>
+              <a:rPr lang="en-US"/>
               <a:t>Click to edit Master title style</a:t>
             </a:r>
             <a:endParaRPr lang="en-US" dirty="0"/>
@@ -979,38 +977,37 @@
           <a:p>
             <a:pPr lvl="0"/>
             <a:r>
-              <a:rPr lang="en-US" smtClean="0"/>
+              <a:rPr lang="en-US"/>
               <a:t>Click to edit Master text styles</a:t>
             </a:r>
           </a:p>
           <a:p>
             <a:pPr lvl="1"/>
             <a:r>
-              <a:rPr lang="en-US" smtClean="0"/>
+              <a:rPr lang="en-US"/>
               <a:t>Second level</a:t>
             </a:r>
           </a:p>
           <a:p>
             <a:pPr lvl="2"/>
             <a:r>
-              <a:rPr lang="en-US" smtClean="0"/>
+              <a:rPr lang="en-US"/>
               <a:t>Third level</a:t>
             </a:r>
           </a:p>
           <a:p>
             <a:pPr lvl="3"/>
             <a:r>
-              <a:rPr lang="en-US" smtClean="0"/>
+              <a:rPr lang="en-US"/>
               <a:t>Fourth level</a:t>
             </a:r>
           </a:p>
           <a:p>
             <a:pPr lvl="4"/>
             <a:r>
-              <a:rPr lang="en-US" smtClean="0"/>
+              <a:rPr lang="en-US"/>
               <a:t>Fifth level</a:t>
             </a:r>
-            <a:endParaRPr lang="en-US"/>
           </a:p>
         </p:txBody>
       </p:sp>
@@ -1032,7 +1029,7 @@
             <a:fld id="{E3D07B0C-BD95-41BE-BB3E-AC75822DF381}" type="datetimeFigureOut">
               <a:rPr lang="en-US" smtClean="0"/>
               <a:pPr/>
-              <a:t>12/29/2016</a:t>
+              <a:t>6/14/2021</a:t>
             </a:fld>
             <a:endParaRPr lang="en-US"/>
           </a:p>
@@ -1122,10 +1119,9 @@
           <a:lstStyle/>
           <a:p>
             <a:r>
-              <a:rPr lang="en-US" smtClean="0"/>
+              <a:rPr lang="en-US"/>
               <a:t>Click to edit Master title style</a:t>
             </a:r>
-            <a:endParaRPr lang="en-US"/>
           </a:p>
         </p:txBody>
       </p:sp>
@@ -1146,38 +1142,37 @@
           <a:p>
             <a:pPr lvl="0"/>
             <a:r>
-              <a:rPr lang="en-US" smtClean="0"/>
+              <a:rPr lang="en-US"/>
               <a:t>Click to edit Master text styles</a:t>
             </a:r>
           </a:p>
           <a:p>
             <a:pPr lvl="1"/>
             <a:r>
-              <a:rPr lang="en-US" smtClean="0"/>
+              <a:rPr lang="en-US"/>
               <a:t>Second level</a:t>
             </a:r>
           </a:p>
           <a:p>
             <a:pPr lvl="2"/>
             <a:r>
-              <a:rPr lang="en-US" smtClean="0"/>
+              <a:rPr lang="en-US"/>
               <a:t>Third level</a:t>
             </a:r>
           </a:p>
           <a:p>
             <a:pPr lvl="3"/>
             <a:r>
-              <a:rPr lang="en-US" smtClean="0"/>
+              <a:rPr lang="en-US"/>
               <a:t>Fourth level</a:t>
             </a:r>
           </a:p>
           <a:p>
             <a:pPr lvl="4"/>
             <a:r>
-              <a:rPr lang="en-US" smtClean="0"/>
+              <a:rPr lang="en-US"/>
               <a:t>Fifth level</a:t>
             </a:r>
-            <a:endParaRPr lang="en-US"/>
           </a:p>
         </p:txBody>
       </p:sp>
@@ -1199,7 +1194,7 @@
             <a:fld id="{E3D07B0C-BD95-41BE-BB3E-AC75822DF381}" type="datetimeFigureOut">
               <a:rPr lang="en-US" smtClean="0"/>
               <a:pPr/>
-              <a:t>12/29/2016</a:t>
+              <a:t>6/14/2021</a:t>
             </a:fld>
             <a:endParaRPr lang="en-US"/>
           </a:p>
@@ -1298,7 +1293,7 @@
           </a:lstStyle>
           <a:p>
             <a:r>
-              <a:rPr lang="en-US" smtClean="0"/>
+              <a:rPr lang="en-US"/>
               <a:t>Click to edit Master title style</a:t>
             </a:r>
             <a:endParaRPr lang="en-US" dirty="0"/>
@@ -1418,7 +1413,7 @@
           <a:p>
             <a:pPr lvl="0"/>
             <a:r>
-              <a:rPr lang="en-US" smtClean="0"/>
+              <a:rPr lang="en-US"/>
               <a:t>Click to edit Master text styles</a:t>
             </a:r>
           </a:p>
@@ -1442,7 +1437,7 @@
             <a:fld id="{E3D07B0C-BD95-41BE-BB3E-AC75822DF381}" type="datetimeFigureOut">
               <a:rPr lang="en-US" smtClean="0"/>
               <a:pPr/>
-              <a:t>12/29/2016</a:t>
+              <a:t>6/14/2021</a:t>
             </a:fld>
             <a:endParaRPr lang="en-US"/>
           </a:p>
@@ -1532,10 +1527,9 @@
           <a:lstStyle/>
           <a:p>
             <a:r>
-              <a:rPr lang="en-US" smtClean="0"/>
+              <a:rPr lang="en-US"/>
               <a:t>Click to edit Master title style</a:t>
             </a:r>
-            <a:endParaRPr lang="en-US"/>
           </a:p>
         </p:txBody>
       </p:sp>
@@ -1589,35 +1583,35 @@
           <a:p>
             <a:pPr lvl="0"/>
             <a:r>
-              <a:rPr lang="en-US" smtClean="0"/>
+              <a:rPr lang="en-US"/>
               <a:t>Click to edit Master text styles</a:t>
             </a:r>
           </a:p>
           <a:p>
             <a:pPr lvl="1"/>
             <a:r>
-              <a:rPr lang="en-US" smtClean="0"/>
+              <a:rPr lang="en-US"/>
               <a:t>Second level</a:t>
             </a:r>
           </a:p>
           <a:p>
             <a:pPr lvl="2"/>
             <a:r>
-              <a:rPr lang="en-US" smtClean="0"/>
+              <a:rPr lang="en-US"/>
               <a:t>Third level</a:t>
             </a:r>
           </a:p>
           <a:p>
             <a:pPr lvl="3"/>
             <a:r>
-              <a:rPr lang="en-US" smtClean="0"/>
+              <a:rPr lang="en-US"/>
               <a:t>Fourth level</a:t>
             </a:r>
           </a:p>
           <a:p>
             <a:pPr lvl="4"/>
             <a:r>
-              <a:rPr lang="en-US" smtClean="0"/>
+              <a:rPr lang="en-US"/>
               <a:t>Fifth level</a:t>
             </a:r>
             <a:endParaRPr lang="en-US" dirty="0"/>
@@ -1674,35 +1668,35 @@
           <a:p>
             <a:pPr lvl="0"/>
             <a:r>
-              <a:rPr lang="en-US" smtClean="0"/>
+              <a:rPr lang="en-US"/>
               <a:t>Click to edit Master text styles</a:t>
             </a:r>
           </a:p>
           <a:p>
             <a:pPr lvl="1"/>
             <a:r>
-              <a:rPr lang="en-US" smtClean="0"/>
+              <a:rPr lang="en-US"/>
               <a:t>Second level</a:t>
             </a:r>
           </a:p>
           <a:p>
             <a:pPr lvl="2"/>
             <a:r>
-              <a:rPr lang="en-US" smtClean="0"/>
+              <a:rPr lang="en-US"/>
               <a:t>Third level</a:t>
             </a:r>
           </a:p>
           <a:p>
             <a:pPr lvl="3"/>
             <a:r>
-              <a:rPr lang="en-US" smtClean="0"/>
+              <a:rPr lang="en-US"/>
               <a:t>Fourth level</a:t>
             </a:r>
           </a:p>
           <a:p>
             <a:pPr lvl="4"/>
             <a:r>
-              <a:rPr lang="en-US" smtClean="0"/>
+              <a:rPr lang="en-US"/>
               <a:t>Fifth level</a:t>
             </a:r>
             <a:endParaRPr lang="en-US" dirty="0"/>
@@ -1727,7 +1721,7 @@
             <a:fld id="{E3D07B0C-BD95-41BE-BB3E-AC75822DF381}" type="datetimeFigureOut">
               <a:rPr lang="en-US" smtClean="0"/>
               <a:pPr/>
-              <a:t>12/29/2016</a:t>
+              <a:t>6/14/2021</a:t>
             </a:fld>
             <a:endParaRPr lang="en-US"/>
           </a:p>
@@ -1821,10 +1815,9 @@
           </a:lstStyle>
           <a:p>
             <a:r>
-              <a:rPr lang="en-US" smtClean="0"/>
+              <a:rPr lang="en-US"/>
               <a:t>Click to edit Master title style</a:t>
             </a:r>
-            <a:endParaRPr lang="en-US"/>
           </a:p>
         </p:txBody>
       </p:sp>
@@ -1893,7 +1886,7 @@
           <a:p>
             <a:pPr lvl="0"/>
             <a:r>
-              <a:rPr lang="en-US" smtClean="0"/>
+              <a:rPr lang="en-US"/>
               <a:t>Click to edit Master text styles</a:t>
             </a:r>
           </a:p>
@@ -1949,35 +1942,35 @@
           <a:p>
             <a:pPr lvl="0"/>
             <a:r>
-              <a:rPr lang="en-US" smtClean="0"/>
+              <a:rPr lang="en-US"/>
               <a:t>Click to edit Master text styles</a:t>
             </a:r>
           </a:p>
           <a:p>
             <a:pPr lvl="1"/>
             <a:r>
-              <a:rPr lang="en-US" smtClean="0"/>
+              <a:rPr lang="en-US"/>
               <a:t>Second level</a:t>
             </a:r>
           </a:p>
           <a:p>
             <a:pPr lvl="2"/>
             <a:r>
-              <a:rPr lang="en-US" smtClean="0"/>
+              <a:rPr lang="en-US"/>
               <a:t>Third level</a:t>
             </a:r>
           </a:p>
           <a:p>
             <a:pPr lvl="3"/>
             <a:r>
-              <a:rPr lang="en-US" smtClean="0"/>
+              <a:rPr lang="en-US"/>
               <a:t>Fourth level</a:t>
             </a:r>
           </a:p>
           <a:p>
             <a:pPr lvl="4"/>
             <a:r>
-              <a:rPr lang="en-US" smtClean="0"/>
+              <a:rPr lang="en-US"/>
               <a:t>Fifth level</a:t>
             </a:r>
             <a:endParaRPr lang="en-US" dirty="0"/>
@@ -2049,7 +2042,7 @@
           <a:p>
             <a:pPr lvl="0"/>
             <a:r>
-              <a:rPr lang="en-US" smtClean="0"/>
+              <a:rPr lang="en-US"/>
               <a:t>Click to edit Master text styles</a:t>
             </a:r>
           </a:p>
@@ -2105,38 +2098,37 @@
           <a:p>
             <a:pPr lvl="0"/>
             <a:r>
-              <a:rPr lang="en-US" smtClean="0"/>
+              <a:rPr lang="en-US"/>
               <a:t>Click to edit Master text styles</a:t>
             </a:r>
           </a:p>
           <a:p>
             <a:pPr lvl="1"/>
             <a:r>
-              <a:rPr lang="en-US" smtClean="0"/>
+              <a:rPr lang="en-US"/>
               <a:t>Second level</a:t>
             </a:r>
           </a:p>
           <a:p>
             <a:pPr lvl="2"/>
             <a:r>
-              <a:rPr lang="en-US" smtClean="0"/>
+              <a:rPr lang="en-US"/>
               <a:t>Third level</a:t>
             </a:r>
           </a:p>
           <a:p>
             <a:pPr lvl="3"/>
             <a:r>
-              <a:rPr lang="en-US" smtClean="0"/>
+              <a:rPr lang="en-US"/>
               <a:t>Fourth level</a:t>
             </a:r>
           </a:p>
           <a:p>
             <a:pPr lvl="4"/>
             <a:r>
-              <a:rPr lang="en-US" smtClean="0"/>
+              <a:rPr lang="en-US"/>
               <a:t>Fifth level</a:t>
             </a:r>
-            <a:endParaRPr lang="en-US"/>
           </a:p>
         </p:txBody>
       </p:sp>
@@ -2158,7 +2150,7 @@
             <a:fld id="{E3D07B0C-BD95-41BE-BB3E-AC75822DF381}" type="datetimeFigureOut">
               <a:rPr lang="en-US" smtClean="0"/>
               <a:pPr/>
-              <a:t>12/29/2016</a:t>
+              <a:t>6/14/2021</a:t>
             </a:fld>
             <a:endParaRPr lang="en-US"/>
           </a:p>
@@ -2248,10 +2240,9 @@
           <a:lstStyle/>
           <a:p>
             <a:r>
-              <a:rPr lang="en-US" smtClean="0"/>
+              <a:rPr lang="en-US"/>
               <a:t>Click to edit Master title style</a:t>
             </a:r>
-            <a:endParaRPr lang="en-US"/>
           </a:p>
         </p:txBody>
       </p:sp>
@@ -2273,7 +2264,7 @@
             <a:fld id="{E3D07B0C-BD95-41BE-BB3E-AC75822DF381}" type="datetimeFigureOut">
               <a:rPr lang="en-US" smtClean="0"/>
               <a:pPr/>
-              <a:t>12/29/2016</a:t>
+              <a:t>6/14/2021</a:t>
             </a:fld>
             <a:endParaRPr lang="en-US"/>
           </a:p>
@@ -2365,7 +2356,7 @@
             <a:fld id="{E3D07B0C-BD95-41BE-BB3E-AC75822DF381}" type="datetimeFigureOut">
               <a:rPr lang="en-US" smtClean="0"/>
               <a:pPr/>
-              <a:t>12/29/2016</a:t>
+              <a:t>6/14/2021</a:t>
             </a:fld>
             <a:endParaRPr lang="en-US"/>
           </a:p>
@@ -2464,7 +2455,7 @@
           </a:lstStyle>
           <a:p>
             <a:r>
-              <a:rPr lang="en-US" smtClean="0"/>
+              <a:rPr lang="en-US"/>
               <a:t>Click to edit Master title style</a:t>
             </a:r>
             <a:endParaRPr lang="en-US" dirty="0"/>
@@ -2532,7 +2523,7 @@
           <a:p>
             <a:pPr lvl="0"/>
             <a:r>
-              <a:rPr lang="en-US" smtClean="0"/>
+              <a:rPr lang="en-US"/>
               <a:t>Click to edit Master text styles</a:t>
             </a:r>
           </a:p>
@@ -2556,7 +2547,7 @@
             <a:fld id="{E3D07B0C-BD95-41BE-BB3E-AC75822DF381}" type="datetimeFigureOut">
               <a:rPr lang="en-US" smtClean="0"/>
               <a:pPr/>
-              <a:t>12/29/2016</a:t>
+              <a:t>6/14/2021</a:t>
             </a:fld>
             <a:endParaRPr lang="en-US"/>
           </a:p>
@@ -2627,38 +2618,37 @@
           <a:p>
             <a:pPr lvl="0"/>
             <a:r>
-              <a:rPr lang="en-US" smtClean="0"/>
+              <a:rPr lang="en-US"/>
               <a:t>Click to edit Master text styles</a:t>
             </a:r>
           </a:p>
           <a:p>
             <a:pPr lvl="1"/>
             <a:r>
-              <a:rPr lang="en-US" smtClean="0"/>
+              <a:rPr lang="en-US"/>
               <a:t>Second level</a:t>
             </a:r>
           </a:p>
           <a:p>
             <a:pPr lvl="2"/>
             <a:r>
-              <a:rPr lang="en-US" smtClean="0"/>
+              <a:rPr lang="en-US"/>
               <a:t>Third level</a:t>
             </a:r>
           </a:p>
           <a:p>
             <a:pPr lvl="3"/>
             <a:r>
-              <a:rPr lang="en-US" smtClean="0"/>
+              <a:rPr lang="en-US"/>
               <a:t>Fourth level</a:t>
             </a:r>
           </a:p>
           <a:p>
             <a:pPr lvl="4"/>
             <a:r>
-              <a:rPr lang="en-US" smtClean="0"/>
+              <a:rPr lang="en-US"/>
               <a:t>Fifth level</a:t>
             </a:r>
-            <a:endParaRPr lang="en-US"/>
           </a:p>
         </p:txBody>
       </p:sp>
@@ -2719,7 +2709,7 @@
           </a:lstStyle>
           <a:p>
             <a:r>
-              <a:rPr lang="en-US" smtClean="0"/>
+              <a:rPr lang="en-US"/>
               <a:t>Click to edit Master title style</a:t>
             </a:r>
             <a:endParaRPr lang="en-US" dirty="0"/>
@@ -2784,7 +2774,7 @@
           </a:lstStyle>
           <a:p>
             <a:r>
-              <a:rPr lang="en-US" smtClean="0"/>
+              <a:rPr lang="en-US"/>
               <a:t>Click icon to add picture</a:t>
             </a:r>
             <a:endParaRPr lang="en-US" dirty="0"/>
@@ -2852,7 +2842,7 @@
           <a:p>
             <a:pPr lvl="0"/>
             <a:r>
-              <a:rPr lang="en-US" smtClean="0"/>
+              <a:rPr lang="en-US"/>
               <a:t>Click to edit Master text styles</a:t>
             </a:r>
           </a:p>
@@ -2876,7 +2866,7 @@
             <a:fld id="{E3D07B0C-BD95-41BE-BB3E-AC75822DF381}" type="datetimeFigureOut">
               <a:rPr lang="en-US" smtClean="0"/>
               <a:pPr/>
-              <a:t>12/29/2016</a:t>
+              <a:t>6/14/2021</a:t>
             </a:fld>
             <a:endParaRPr lang="en-US"/>
           </a:p>
@@ -2981,7 +2971,7 @@
           <a:lstStyle/>
           <a:p>
             <a:r>
-              <a:rPr lang="en-US" smtClean="0"/>
+              <a:rPr lang="en-US"/>
               <a:t>Click to edit Master title style</a:t>
             </a:r>
             <a:endParaRPr lang="en-US" dirty="0"/>
@@ -3015,35 +3005,35 @@
           <a:p>
             <a:pPr lvl="0"/>
             <a:r>
-              <a:rPr lang="en-US" smtClean="0"/>
+              <a:rPr lang="en-US"/>
               <a:t>Click to edit Master text styles</a:t>
             </a:r>
           </a:p>
           <a:p>
             <a:pPr lvl="1"/>
             <a:r>
-              <a:rPr lang="en-US" smtClean="0"/>
+              <a:rPr lang="en-US"/>
               <a:t>Second level</a:t>
             </a:r>
           </a:p>
           <a:p>
             <a:pPr lvl="2"/>
             <a:r>
-              <a:rPr lang="en-US" smtClean="0"/>
+              <a:rPr lang="en-US"/>
               <a:t>Third level</a:t>
             </a:r>
           </a:p>
           <a:p>
             <a:pPr lvl="3"/>
             <a:r>
-              <a:rPr lang="en-US" smtClean="0"/>
+              <a:rPr lang="en-US"/>
               <a:t>Fourth level</a:t>
             </a:r>
           </a:p>
           <a:p>
             <a:pPr lvl="4"/>
             <a:r>
-              <a:rPr lang="en-US" smtClean="0"/>
+              <a:rPr lang="en-US"/>
               <a:t>Fifth level</a:t>
             </a:r>
             <a:endParaRPr lang="en-US" dirty="0"/>
@@ -3258,7 +3248,7 @@
             <a:fld id="{E3D07B0C-BD95-41BE-BB3E-AC75822DF381}" type="datetimeFigureOut">
               <a:rPr lang="en-US" smtClean="0"/>
               <a:pPr/>
-              <a:t>12/29/2016</a:t>
+              <a:t>6/14/2021</a:t>
             </a:fld>
             <a:endParaRPr lang="en-US"/>
           </a:p>
@@ -3897,14 +3887,14 @@
           <a:p>
             <a:pPr algn="ctr"/>
             <a:r>
-              <a:rPr lang="en-US" altLang="zh-TW" sz="800" dirty="0" smtClean="0"/>
+              <a:rPr lang="en-US" altLang="zh-TW" sz="800" dirty="0"/>
               <a:t>Previous</a:t>
             </a:r>
           </a:p>
           <a:p>
             <a:pPr algn="ctr"/>
             <a:r>
-              <a:rPr lang="en-US" altLang="zh-TW" sz="800" dirty="0" smtClean="0"/>
+              <a:rPr lang="en-US" altLang="zh-TW" sz="800" dirty="0"/>
               <a:t>update</a:t>
             </a:r>
             <a:endParaRPr lang="zh-TW" altLang="en-US" sz="800" dirty="0"/>
@@ -4284,14 +4274,14 @@
           <a:p>
             <a:pPr algn="ctr"/>
             <a:r>
-              <a:rPr lang="en-US" altLang="zh-TW" sz="800" dirty="0" smtClean="0"/>
+              <a:rPr lang="en-US" altLang="zh-TW" sz="800" dirty="0"/>
               <a:t>Current</a:t>
             </a:r>
           </a:p>
           <a:p>
             <a:pPr algn="ctr"/>
             <a:r>
-              <a:rPr lang="en-US" altLang="zh-TW" sz="800" dirty="0" smtClean="0"/>
+              <a:rPr lang="en-US" altLang="zh-TW" sz="800" dirty="0"/>
               <a:t>update</a:t>
             </a:r>
             <a:endParaRPr lang="zh-TW" altLang="en-US" sz="800" dirty="0"/>
@@ -4325,14 +4315,14 @@
           <a:p>
             <a:pPr algn="ctr"/>
             <a:r>
-              <a:rPr lang="en-US" altLang="zh-TW" sz="800" dirty="0" smtClean="0"/>
+              <a:rPr lang="en-US" altLang="zh-TW" sz="800" dirty="0"/>
               <a:t>Next </a:t>
             </a:r>
           </a:p>
           <a:p>
             <a:pPr algn="ctr"/>
             <a:r>
-              <a:rPr lang="en-US" altLang="zh-TW" sz="800" dirty="0" smtClean="0"/>
+              <a:rPr lang="en-US" altLang="zh-TW" sz="800" dirty="0"/>
               <a:t>update</a:t>
             </a:r>
             <a:endParaRPr lang="zh-TW" altLang="en-US" sz="800" dirty="0"/>
@@ -4503,15 +4493,15 @@
           <a:lstStyle/>
           <a:p>
             <a:r>
-              <a:rPr lang="en-US" altLang="zh-TW" sz="1600" dirty="0" smtClean="0"/>
+              <a:rPr lang="en-US" altLang="zh-TW" sz="1600" dirty="0"/>
               <a:t>Figure </a:t>
             </a:r>
             <a:r>
-              <a:rPr lang="en-US" altLang="zh-CN" sz="1600" dirty="0" smtClean="0"/>
+              <a:rPr lang="en-US" altLang="zh-CN" sz="1600" dirty="0"/>
               <a:t>3</a:t>
             </a:r>
             <a:r>
-              <a:rPr lang="en-US" altLang="zh-TW" sz="1600" dirty="0" smtClean="0"/>
+              <a:rPr lang="en-US" altLang="zh-TW" sz="1600" dirty="0"/>
               <a:t>-1</a:t>
             </a:r>
             <a:endParaRPr lang="zh-TW" altLang="en-US" sz="1600" baseline="-25000" dirty="0"/>
@@ -4608,7 +4598,7 @@
           <a:lstStyle/>
           <a:p>
             <a:r>
-              <a:rPr lang="en-US" altLang="zh-CN" sz="900" dirty="0" smtClean="0"/>
+              <a:rPr lang="en-US" altLang="zh-CN" sz="900" dirty="0"/>
               <a:t>A</a:t>
             </a:r>
             <a:endParaRPr lang="zh-CN" altLang="en-US" sz="900" dirty="0"/>
@@ -4638,7 +4628,7 @@
           <a:lstStyle/>
           <a:p>
             <a:r>
-              <a:rPr lang="en-US" altLang="zh-CN" sz="900" dirty="0" smtClean="0"/>
+              <a:rPr lang="en-US" altLang="zh-CN" sz="900" dirty="0"/>
               <a:t>B</a:t>
             </a:r>
             <a:endParaRPr lang="zh-CN" altLang="en-US" sz="900" dirty="0"/>
@@ -4668,7 +4658,7 @@
           <a:lstStyle/>
           <a:p>
             <a:r>
-              <a:rPr lang="en-US" altLang="zh-CN" sz="800" dirty="0" smtClean="0"/>
+              <a:rPr lang="en-US" altLang="zh-CN" sz="800" dirty="0"/>
               <a:t>A1</a:t>
             </a:r>
             <a:endParaRPr lang="zh-CN" altLang="en-US" sz="800" dirty="0"/>
@@ -4842,7 +4832,7 @@
           <a:lstStyle/>
           <a:p>
             <a:r>
-              <a:rPr lang="en-US" altLang="zh-CN" sz="800" dirty="0" smtClean="0"/>
+              <a:rPr lang="en-US" altLang="zh-CN" sz="800" dirty="0"/>
               <a:t>MaxA</a:t>
             </a:r>
             <a:endParaRPr lang="zh-CN" altLang="en-US" sz="800" dirty="0"/>
@@ -4872,7 +4862,7 @@
           <a:lstStyle/>
           <a:p>
             <a:r>
-              <a:rPr lang="en-US" altLang="zh-CN" sz="800" dirty="0" smtClean="0"/>
+              <a:rPr lang="en-US" altLang="zh-CN" sz="800" dirty="0"/>
               <a:t>MinB</a:t>
             </a:r>
             <a:endParaRPr lang="zh-CN" altLang="en-US" sz="800" dirty="0"/>
@@ -4902,7 +4892,7 @@
           <a:lstStyle/>
           <a:p>
             <a:r>
-              <a:rPr lang="en-US" altLang="zh-CN" sz="800" dirty="0" smtClean="0"/>
+              <a:rPr lang="en-US" altLang="zh-CN" sz="800" dirty="0"/>
               <a:t>MaxB</a:t>
             </a:r>
             <a:endParaRPr lang="zh-CN" altLang="en-US" sz="800" dirty="0"/>
@@ -4979,11 +4969,11 @@
           <a:lstStyle/>
           <a:p>
             <a:r>
-              <a:rPr lang="en-US" altLang="zh-CN" sz="1600" dirty="0" smtClean="0"/>
+              <a:rPr lang="en-US" altLang="zh-CN" sz="1600" dirty="0"/>
               <a:t>Revised 3</a:t>
             </a:r>
             <a:r>
-              <a:rPr lang="en-US" altLang="zh-TW" sz="1600" dirty="0" smtClean="0"/>
+              <a:rPr lang="en-US" altLang="zh-TW" sz="1600" dirty="0"/>
               <a:t>-12</a:t>
             </a:r>
           </a:p>
@@ -5108,7 +5098,7 @@
           <a:lstStyle/>
           <a:p>
             <a:r>
-              <a:rPr lang="en-US" altLang="zh-CN" sz="800" dirty="0" smtClean="0"/>
+              <a:rPr lang="en-US" altLang="zh-CN" sz="800" dirty="0"/>
               <a:t>MinA</a:t>
             </a:r>
             <a:endParaRPr lang="zh-CN" altLang="en-US" sz="800" dirty="0"/>
@@ -5168,7 +5158,7 @@
           <a:lstStyle/>
           <a:p>
             <a:r>
-              <a:rPr lang="en-US" altLang="zh-CN" sz="900" dirty="0" smtClean="0"/>
+              <a:rPr lang="en-US" altLang="zh-CN" sz="900" dirty="0"/>
               <a:t>A</a:t>
             </a:r>
             <a:endParaRPr lang="zh-CN" altLang="en-US" sz="900" dirty="0"/>
@@ -5198,7 +5188,7 @@
           <a:lstStyle/>
           <a:p>
             <a:r>
-              <a:rPr lang="en-US" altLang="zh-CN" sz="900" dirty="0" smtClean="0"/>
+              <a:rPr lang="en-US" altLang="zh-CN" sz="900" dirty="0"/>
               <a:t>B</a:t>
             </a:r>
             <a:endParaRPr lang="zh-CN" altLang="en-US" sz="900" dirty="0"/>
@@ -5228,7 +5218,7 @@
           <a:lstStyle/>
           <a:p>
             <a:r>
-              <a:rPr lang="en-US" altLang="zh-CN" sz="800" dirty="0" smtClean="0"/>
+              <a:rPr lang="en-US" altLang="zh-CN" sz="800" dirty="0"/>
               <a:t>A1</a:t>
             </a:r>
             <a:endParaRPr lang="zh-CN" altLang="en-US" sz="800" dirty="0"/>
@@ -5402,23 +5392,15 @@
           <a:lstStyle/>
           <a:p>
             <a:r>
-              <a:rPr lang="en-US" altLang="zh-CN" sz="800" dirty="0" smtClean="0"/>
+              <a:rPr lang="en-US" altLang="zh-CN" sz="800" dirty="0"/>
               <a:t>Projection</a:t>
-            </a:r>
-            <a:r>
-              <a:rPr lang="en-US" altLang="zh-CN" sz="800" dirty="0"/>
-              <a:t/>
             </a:r>
             <a:br>
               <a:rPr lang="en-US" altLang="zh-CN" sz="800" dirty="0"/>
             </a:br>
             <a:r>
               <a:rPr lang="en-US" altLang="zh-CN" sz="800" dirty="0"/>
-              <a:t>f</a:t>
-            </a:r>
-            <a:r>
-              <a:rPr lang="en-US" altLang="zh-CN" sz="800" dirty="0" smtClean="0"/>
-              <a:t>rom A</a:t>
+              <a:t>from A</a:t>
             </a:r>
           </a:p>
         </p:txBody>
@@ -5446,14 +5428,14 @@
           <a:lstStyle/>
           <a:p>
             <a:r>
-              <a:rPr lang="en-US" altLang="zh-CN" sz="800" dirty="0" smtClean="0"/>
+              <a:rPr lang="en-US" altLang="zh-CN" sz="800" dirty="0"/>
               <a:t>Projection</a:t>
             </a:r>
             <a:br>
-              <a:rPr lang="en-US" altLang="zh-CN" sz="800" dirty="0" smtClean="0"/>
+              <a:rPr lang="en-US" altLang="zh-CN" sz="800" dirty="0"/>
             </a:br>
             <a:r>
-              <a:rPr lang="en-US" altLang="zh-CN" sz="800" dirty="0" smtClean="0"/>
+              <a:rPr lang="en-US" altLang="zh-CN" sz="800" dirty="0"/>
               <a:t>from B</a:t>
             </a:r>
             <a:endParaRPr lang="zh-CN" altLang="en-US" sz="800" dirty="0"/>
@@ -5483,7 +5465,7 @@
           <a:lstStyle/>
           <a:p>
             <a:r>
-              <a:rPr lang="en-US" altLang="zh-CN" sz="800" dirty="0" smtClean="0"/>
+              <a:rPr lang="en-US" altLang="zh-CN" sz="800" dirty="0"/>
               <a:t>Overlap</a:t>
             </a:r>
             <a:endParaRPr lang="zh-CN" altLang="en-US" sz="800" dirty="0"/>
@@ -5560,11 +5542,11 @@
           <a:lstStyle/>
           <a:p>
             <a:r>
-              <a:rPr lang="en-US" altLang="zh-CN" sz="1600" dirty="0" smtClean="0"/>
+              <a:rPr lang="en-US" altLang="zh-CN" sz="1600" dirty="0"/>
               <a:t>Revised 3</a:t>
             </a:r>
             <a:r>
-              <a:rPr lang="en-US" altLang="zh-TW" sz="1600" dirty="0" smtClean="0"/>
+              <a:rPr lang="en-US" altLang="zh-TW" sz="1600" dirty="0"/>
               <a:t>-13</a:t>
             </a:r>
           </a:p>
@@ -5907,7 +5889,7 @@
           <a:lstStyle/>
           <a:p>
             <a:r>
-              <a:rPr lang="en-US" altLang="zh-CN" sz="900" dirty="0" smtClean="0"/>
+              <a:rPr lang="en-US" altLang="zh-CN" sz="900" dirty="0"/>
               <a:t>A</a:t>
             </a:r>
             <a:endParaRPr lang="zh-CN" altLang="en-US" sz="900" dirty="0"/>
@@ -5937,7 +5919,7 @@
           <a:lstStyle/>
           <a:p>
             <a:r>
-              <a:rPr lang="en-US" altLang="zh-CN" sz="900" dirty="0" smtClean="0"/>
+              <a:rPr lang="en-US" altLang="zh-CN" sz="900" dirty="0"/>
               <a:t>B</a:t>
             </a:r>
             <a:endParaRPr lang="zh-CN" altLang="en-US" sz="900" dirty="0"/>
@@ -5967,11 +5949,11 @@
           <a:lstStyle/>
           <a:p>
             <a:r>
-              <a:rPr lang="en-US" altLang="zh-CN" sz="800" dirty="0" smtClean="0"/>
+              <a:rPr lang="en-US" altLang="zh-CN" sz="800" dirty="0"/>
               <a:t>S</a:t>
             </a:r>
             <a:r>
-              <a:rPr lang="en-US" altLang="zh-CN" sz="800" baseline="-25000" dirty="0" smtClean="0"/>
+              <a:rPr lang="en-US" altLang="zh-CN" sz="800" baseline="-25000" dirty="0"/>
               <a:t>A1</a:t>
             </a:r>
             <a:endParaRPr lang="zh-CN" altLang="en-US" sz="800" dirty="0"/>
@@ -6156,11 +6138,11 @@
           <a:lstStyle/>
           <a:p>
             <a:r>
-              <a:rPr lang="en-US" altLang="zh-CN" sz="1600" dirty="0" smtClean="0"/>
+              <a:rPr lang="en-US" altLang="zh-CN" sz="1600" dirty="0"/>
               <a:t>Revised 3</a:t>
             </a:r>
             <a:r>
-              <a:rPr lang="en-US" altLang="zh-TW" sz="1600" dirty="0" smtClean="0"/>
+              <a:rPr lang="en-US" altLang="zh-TW" sz="1600" dirty="0"/>
               <a:t>-14</a:t>
             </a:r>
           </a:p>
@@ -6337,7 +6319,7 @@
           <a:lstStyle/>
           <a:p>
             <a:r>
-              <a:rPr lang="en-US" altLang="zh-CN" sz="800" dirty="0" smtClean="0"/>
+              <a:rPr lang="en-US" altLang="zh-CN" sz="800" dirty="0"/>
               <a:t>A1</a:t>
             </a:r>
             <a:endParaRPr lang="zh-CN" altLang="en-US" sz="800" dirty="0"/>
@@ -6367,11 +6349,11 @@
           <a:lstStyle/>
           <a:p>
             <a:r>
-              <a:rPr lang="en-US" altLang="zh-CN" sz="800" dirty="0" smtClean="0"/>
+              <a:rPr lang="en-US" altLang="zh-CN" sz="800" dirty="0"/>
               <a:t>e</a:t>
             </a:r>
             <a:r>
-              <a:rPr lang="en-US" altLang="zh-CN" sz="800" baseline="-25000" dirty="0" smtClean="0"/>
+              <a:rPr lang="en-US" altLang="zh-CN" sz="800" baseline="-25000" dirty="0"/>
               <a:t>A1</a:t>
             </a:r>
             <a:endParaRPr lang="zh-CN" altLang="en-US" sz="800" baseline="-25000" dirty="0"/>
@@ -6401,7 +6383,7 @@
           <a:lstStyle/>
           <a:p>
             <a:r>
-              <a:rPr lang="en-US" altLang="zh-CN" sz="800" dirty="0" smtClean="0"/>
+              <a:rPr lang="en-US" altLang="zh-CN" sz="800" dirty="0"/>
               <a:t>B1</a:t>
             </a:r>
             <a:endParaRPr lang="zh-CN" altLang="en-US" sz="800" dirty="0"/>
@@ -6467,11 +6449,11 @@
           <a:lstStyle/>
           <a:p>
             <a:r>
-              <a:rPr lang="en-US" altLang="zh-CN" sz="800" dirty="0" smtClean="0"/>
+              <a:rPr lang="en-US" altLang="zh-CN" sz="800" dirty="0"/>
               <a:t>e</a:t>
             </a:r>
             <a:r>
-              <a:rPr lang="en-US" altLang="zh-CN" sz="800" baseline="-25000" dirty="0" smtClean="0"/>
+              <a:rPr lang="en-US" altLang="zh-CN" sz="800" baseline="-25000" dirty="0"/>
               <a:t>B1</a:t>
             </a:r>
             <a:endParaRPr lang="zh-CN" altLang="en-US" sz="800" baseline="-25000" dirty="0"/>
@@ -6538,11 +6520,11 @@
           <a:p>
             <a:pPr algn="ctr"/>
             <a:r>
-              <a:rPr lang="en-US" altLang="zh-CN" sz="800" dirty="0" smtClean="0"/>
+              <a:rPr lang="en-US" altLang="zh-CN" sz="800" dirty="0"/>
               <a:t>Negative distance to e</a:t>
             </a:r>
             <a:r>
-              <a:rPr lang="en-US" altLang="zh-CN" sz="800" baseline="-25000" dirty="0" smtClean="0"/>
+              <a:rPr lang="en-US" altLang="zh-CN" sz="800" baseline="-25000" dirty="0"/>
               <a:t>A1</a:t>
             </a:r>
             <a:endParaRPr lang="zh-CN" altLang="en-US" sz="800" baseline="-25000" dirty="0"/>
@@ -6753,30 +6735,30 @@
           <a:p>
             <a:pPr algn="ctr"/>
             <a:r>
-              <a:rPr lang="en-US" altLang="zh-CN" sz="800" dirty="0" smtClean="0"/>
+              <a:rPr lang="en-US" altLang="zh-CN" sz="800" dirty="0"/>
               <a:t>Minimum distance to e</a:t>
             </a:r>
             <a:r>
-              <a:rPr lang="en-US" altLang="zh-CN" sz="800" baseline="-25000" dirty="0" smtClean="0"/>
+              <a:rPr lang="en-US" altLang="zh-CN" sz="800" baseline="-25000" dirty="0"/>
               <a:t>B1</a:t>
             </a:r>
             <a:r>
-              <a:rPr lang="en-US" altLang="zh-CN" sz="800" dirty="0" smtClean="0"/>
+              <a:rPr lang="en-US" altLang="zh-CN" sz="800" dirty="0"/>
               <a:t> is positive. </a:t>
             </a:r>
           </a:p>
           <a:p>
             <a:pPr algn="ctr"/>
             <a:r>
-              <a:rPr lang="en-US" altLang="zh-CN" sz="800" dirty="0" smtClean="0"/>
+              <a:rPr lang="en-US" altLang="zh-CN" sz="800" dirty="0"/>
               <a:t>Thus no support point for e</a:t>
             </a:r>
             <a:r>
-              <a:rPr lang="en-US" altLang="zh-CN" sz="800" baseline="-25000" dirty="0" smtClean="0"/>
+              <a:rPr lang="en-US" altLang="zh-CN" sz="800" baseline="-25000" dirty="0"/>
               <a:t>B1</a:t>
             </a:r>
             <a:r>
-              <a:rPr lang="en-US" altLang="zh-CN" sz="800" dirty="0" smtClean="0"/>
+              <a:rPr lang="en-US" altLang="zh-CN" sz="800" dirty="0"/>
               <a:t>. </a:t>
             </a:r>
             <a:endParaRPr lang="zh-CN" altLang="en-US" sz="800" baseline="-25000" dirty="0"/>
@@ -6831,11 +6813,11 @@
           <a:lstStyle/>
           <a:p>
             <a:r>
-              <a:rPr lang="en-US" altLang="zh-CN" sz="800" dirty="0" smtClean="0"/>
+              <a:rPr lang="en-US" altLang="zh-CN" sz="800" dirty="0"/>
               <a:t>S</a:t>
             </a:r>
             <a:r>
-              <a:rPr lang="en-US" altLang="zh-CN" sz="800" baseline="-25000" dirty="0" smtClean="0"/>
+              <a:rPr lang="en-US" altLang="zh-CN" sz="800" baseline="-25000" dirty="0"/>
               <a:t>B2</a:t>
             </a:r>
             <a:endParaRPr lang="zh-CN" altLang="en-US" sz="800" dirty="0"/>
@@ -6865,7 +6847,7 @@
           <a:lstStyle/>
           <a:p>
             <a:r>
-              <a:rPr lang="en-US" altLang="zh-CN" sz="900" dirty="0" smtClean="0"/>
+              <a:rPr lang="en-US" altLang="zh-CN" sz="900" dirty="0"/>
               <a:t>A</a:t>
             </a:r>
             <a:endParaRPr lang="zh-CN" altLang="en-US" sz="900" dirty="0"/>
@@ -6895,7 +6877,7 @@
           <a:lstStyle/>
           <a:p>
             <a:r>
-              <a:rPr lang="en-US" altLang="zh-CN" sz="900" dirty="0" smtClean="0"/>
+              <a:rPr lang="en-US" altLang="zh-CN" sz="900" dirty="0"/>
               <a:t>B</a:t>
             </a:r>
             <a:endParaRPr lang="zh-CN" altLang="en-US" sz="900" dirty="0"/>
@@ -6925,11 +6907,11 @@
           <a:lstStyle/>
           <a:p>
             <a:r>
-              <a:rPr lang="en-US" altLang="zh-CN" sz="800" dirty="0" smtClean="0"/>
+              <a:rPr lang="en-US" altLang="zh-CN" sz="800" dirty="0"/>
               <a:t>S</a:t>
             </a:r>
             <a:r>
-              <a:rPr lang="en-US" altLang="zh-CN" sz="800" baseline="-25000" dirty="0" smtClean="0"/>
+              <a:rPr lang="en-US" altLang="zh-CN" sz="800" baseline="-25000" dirty="0"/>
               <a:t>B1</a:t>
             </a:r>
             <a:endParaRPr lang="zh-CN" altLang="en-US" sz="800" dirty="0"/>
@@ -7006,11 +6988,11 @@
           <a:lstStyle/>
           <a:p>
             <a:r>
-              <a:rPr lang="en-US" altLang="zh-CN" sz="1600" dirty="0" smtClean="0"/>
+              <a:rPr lang="en-US" altLang="zh-CN" sz="1600" dirty="0"/>
               <a:t>Revised 3</a:t>
             </a:r>
             <a:r>
-              <a:rPr lang="en-US" altLang="zh-TW" sz="1600" dirty="0" smtClean="0"/>
+              <a:rPr lang="en-US" altLang="zh-TW" sz="1600" dirty="0"/>
               <a:t>-15</a:t>
             </a:r>
           </a:p>
@@ -7232,7 +7214,7 @@
           <a:p>
             <a:pPr algn="ctr"/>
             <a:r>
-              <a:rPr lang="en-US" altLang="zh-CN" sz="800" dirty="0" smtClean="0"/>
+              <a:rPr lang="en-US" altLang="zh-CN" sz="800" dirty="0"/>
               <a:t>end</a:t>
             </a:r>
             <a:endParaRPr lang="zh-CN" altLang="en-US" sz="800" baseline="-25000" dirty="0"/>
@@ -7262,11 +7244,11 @@
           <a:lstStyle/>
           <a:p>
             <a:r>
-              <a:rPr lang="en-US" altLang="zh-CN" sz="800" dirty="0" smtClean="0"/>
+              <a:rPr lang="en-US" altLang="zh-CN" sz="800" dirty="0"/>
               <a:t>S</a:t>
             </a:r>
             <a:r>
-              <a:rPr lang="en-US" altLang="zh-CN" sz="800" baseline="-25000" dirty="0" smtClean="0"/>
+              <a:rPr lang="en-US" altLang="zh-CN" sz="800" baseline="-25000" dirty="0"/>
               <a:t>B3</a:t>
             </a:r>
             <a:endParaRPr lang="zh-CN" altLang="en-US" sz="800" dirty="0"/>
@@ -7296,11 +7278,11 @@
           <a:lstStyle/>
           <a:p>
             <a:r>
-              <a:rPr lang="en-US" altLang="zh-CN" sz="800" dirty="0" smtClean="0"/>
+              <a:rPr lang="en-US" altLang="zh-CN" sz="800" dirty="0"/>
               <a:t>S</a:t>
             </a:r>
             <a:r>
-              <a:rPr lang="en-US" altLang="zh-CN" sz="800" baseline="-25000" dirty="0" smtClean="0"/>
+              <a:rPr lang="en-US" altLang="zh-CN" sz="800" baseline="-25000" dirty="0"/>
               <a:t>B4</a:t>
             </a:r>
             <a:endParaRPr lang="zh-CN" altLang="en-US" sz="800" dirty="0"/>
@@ -7660,7 +7642,7 @@
           <a:lstStyle/>
           <a:p>
             <a:r>
-              <a:rPr lang="en-US" altLang="zh-CN" sz="800" dirty="0" smtClean="0"/>
+              <a:rPr lang="en-US" altLang="zh-CN" sz="800" dirty="0"/>
               <a:t>B1</a:t>
             </a:r>
             <a:endParaRPr lang="zh-CN" altLang="en-US" sz="800" dirty="0"/>
@@ -7690,7 +7672,7 @@
           <a:lstStyle/>
           <a:p>
             <a:r>
-              <a:rPr lang="en-US" altLang="zh-CN" sz="800" dirty="0" smtClean="0"/>
+              <a:rPr lang="en-US" altLang="zh-CN" sz="800" dirty="0"/>
               <a:t>B4</a:t>
             </a:r>
             <a:endParaRPr lang="zh-CN" altLang="en-US" sz="800" dirty="0"/>
@@ -7720,7 +7702,7 @@
           <a:lstStyle/>
           <a:p>
             <a:r>
-              <a:rPr lang="en-US" altLang="zh-CN" sz="800" dirty="0" smtClean="0"/>
+              <a:rPr lang="en-US" altLang="zh-CN" sz="800" dirty="0"/>
               <a:t>B2</a:t>
             </a:r>
             <a:endParaRPr lang="zh-CN" altLang="en-US" sz="800" dirty="0"/>
@@ -7750,7 +7732,7 @@
           <a:lstStyle/>
           <a:p>
             <a:r>
-              <a:rPr lang="en-US" altLang="zh-CN" sz="800" dirty="0" smtClean="0"/>
+              <a:rPr lang="en-US" altLang="zh-CN" sz="800" dirty="0"/>
               <a:t>B3</a:t>
             </a:r>
             <a:endParaRPr lang="zh-CN" altLang="en-US" sz="800" dirty="0"/>
@@ -8055,11 +8037,11 @@
           <a:lstStyle/>
           <a:p>
             <a:r>
-              <a:rPr lang="en-US" altLang="zh-CN" sz="800" dirty="0" smtClean="0"/>
+              <a:rPr lang="en-US" altLang="zh-CN" sz="800" dirty="0"/>
               <a:t>S</a:t>
             </a:r>
             <a:r>
-              <a:rPr lang="en-US" altLang="zh-CN" sz="800" baseline="-25000" dirty="0" smtClean="0"/>
+              <a:rPr lang="en-US" altLang="zh-CN" sz="800" baseline="-25000" dirty="0"/>
               <a:t>B1</a:t>
             </a:r>
             <a:endParaRPr lang="zh-CN" altLang="en-US" sz="800" dirty="0"/>
@@ -8089,7 +8071,7 @@
           <a:lstStyle/>
           <a:p>
             <a:r>
-              <a:rPr lang="en-US" altLang="zh-CN" sz="900" dirty="0" smtClean="0"/>
+              <a:rPr lang="en-US" altLang="zh-CN" sz="900" dirty="0"/>
               <a:t>B</a:t>
             </a:r>
             <a:endParaRPr lang="zh-CN" altLang="en-US" sz="900" dirty="0"/>
@@ -8119,7 +8101,7 @@
           <a:lstStyle/>
           <a:p>
             <a:r>
-              <a:rPr lang="en-US" altLang="zh-CN" sz="900" dirty="0" smtClean="0"/>
+              <a:rPr lang="en-US" altLang="zh-CN" sz="900" dirty="0"/>
               <a:t>A</a:t>
             </a:r>
             <a:endParaRPr lang="zh-CN" altLang="en-US" sz="900" dirty="0"/>
@@ -8150,7 +8132,7 @@
           <a:p>
             <a:pPr algn="ctr"/>
             <a:r>
-              <a:rPr lang="en-US" altLang="zh-CN" sz="800" dirty="0" smtClean="0"/>
+              <a:rPr lang="en-US" altLang="zh-CN" sz="800" dirty="0"/>
               <a:t>start</a:t>
             </a:r>
             <a:endParaRPr lang="zh-CN" altLang="en-US" sz="800" baseline="-25000" dirty="0"/>
@@ -8181,7 +8163,7 @@
           <a:p>
             <a:pPr algn="ctr"/>
             <a:r>
-              <a:rPr lang="en-US" altLang="zh-CN" sz="800" dirty="0" smtClean="0"/>
+              <a:rPr lang="en-US" altLang="zh-CN" sz="800" dirty="0"/>
               <a:t>Collision depth</a:t>
             </a:r>
             <a:endParaRPr lang="zh-CN" altLang="en-US" sz="800" baseline="-25000" dirty="0"/>
@@ -8212,7 +8194,7 @@
           <a:p>
             <a:pPr algn="ctr"/>
             <a:r>
-              <a:rPr lang="en-US" altLang="zh-CN" sz="800" dirty="0" smtClean="0"/>
+              <a:rPr lang="en-US" altLang="zh-CN" sz="800" dirty="0"/>
               <a:t>Collision normal</a:t>
             </a:r>
             <a:endParaRPr lang="zh-CN" altLang="en-US" sz="800" baseline="-25000" dirty="0"/>
@@ -9446,7 +9428,7 @@
           <a:lstStyle/>
           <a:p>
             <a:r>
-              <a:rPr lang="en-US" altLang="zh-CN" sz="800" dirty="0" smtClean="0"/>
+              <a:rPr lang="en-US" altLang="zh-CN" sz="800" dirty="0"/>
               <a:t>B1</a:t>
             </a:r>
             <a:endParaRPr lang="zh-CN" altLang="en-US" sz="800" dirty="0"/>
@@ -10015,11 +9997,11 @@
           <a:lstStyle/>
           <a:p>
             <a:r>
-              <a:rPr lang="en-US" altLang="zh-CN" sz="1600" dirty="0" smtClean="0"/>
+              <a:rPr lang="en-US" altLang="zh-CN" sz="1600" dirty="0"/>
               <a:t>Revised 3</a:t>
             </a:r>
             <a:r>
-              <a:rPr lang="en-US" altLang="zh-TW" sz="1600" dirty="0" smtClean="0"/>
+              <a:rPr lang="en-US" altLang="zh-TW" sz="1600" dirty="0"/>
               <a:t>-17a+b</a:t>
             </a:r>
           </a:p>
@@ -10240,7 +10222,7 @@
           <a:lstStyle/>
           <a:p>
             <a:r>
-              <a:rPr lang="en-US" altLang="zh-CN" sz="800" dirty="0" smtClean="0"/>
+              <a:rPr lang="en-US" altLang="zh-CN" sz="800" dirty="0"/>
               <a:t>A3</a:t>
             </a:r>
             <a:endParaRPr lang="zh-CN" altLang="en-US" sz="800" baseline="-25000" dirty="0"/>
@@ -10469,7 +10451,7 @@
           <a:lstStyle/>
           <a:p>
             <a:r>
-              <a:rPr lang="en-US" altLang="zh-CN" sz="800" dirty="0" smtClean="0"/>
+              <a:rPr lang="en-US" altLang="zh-CN" sz="800" dirty="0"/>
               <a:t>A2</a:t>
             </a:r>
             <a:endParaRPr lang="zh-CN" altLang="en-US" sz="800" baseline="-25000" dirty="0"/>
@@ -10499,7 +10481,7 @@
           <a:lstStyle/>
           <a:p>
             <a:r>
-              <a:rPr lang="en-US" altLang="zh-CN" sz="800" dirty="0" smtClean="0"/>
+              <a:rPr lang="en-US" altLang="zh-CN" sz="800" dirty="0"/>
               <a:t>A1</a:t>
             </a:r>
             <a:endParaRPr lang="zh-CN" altLang="en-US" sz="800" baseline="-25000" dirty="0"/>
@@ -10529,7 +10511,7 @@
           <a:lstStyle/>
           <a:p>
             <a:r>
-              <a:rPr lang="en-US" altLang="zh-CN" sz="800" dirty="0" smtClean="0"/>
+              <a:rPr lang="en-US" altLang="zh-CN" sz="800" dirty="0"/>
               <a:t>A4</a:t>
             </a:r>
             <a:endParaRPr lang="zh-CN" altLang="en-US" sz="800" baseline="-25000" dirty="0"/>
@@ -10765,7 +10747,7 @@
             <a:lstStyle/>
             <a:p>
               <a:r>
-                <a:rPr lang="en-US" altLang="zh-CN" sz="800" dirty="0" smtClean="0"/>
+                <a:rPr lang="en-US" altLang="zh-CN" sz="800" dirty="0"/>
                 <a:t>A3</a:t>
               </a:r>
               <a:endParaRPr lang="zh-CN" altLang="en-US" sz="800" baseline="-25000" dirty="0"/>
@@ -10956,7 +10938,7 @@
             <a:lstStyle/>
             <a:p>
               <a:r>
-                <a:rPr lang="en-US" altLang="zh-CN" sz="800" dirty="0" smtClean="0"/>
+                <a:rPr lang="en-US" altLang="zh-CN" sz="800" dirty="0"/>
                 <a:t>A2</a:t>
               </a:r>
               <a:endParaRPr lang="zh-CN" altLang="en-US" sz="800" baseline="-25000" dirty="0"/>
@@ -10986,7 +10968,7 @@
             <a:lstStyle/>
             <a:p>
               <a:r>
-                <a:rPr lang="en-US" altLang="zh-CN" sz="800" dirty="0" smtClean="0"/>
+                <a:rPr lang="en-US" altLang="zh-CN" sz="800" dirty="0"/>
                 <a:t>A1</a:t>
               </a:r>
               <a:endParaRPr lang="zh-CN" altLang="en-US" sz="800" baseline="-25000" dirty="0"/>
@@ -11016,7 +10998,7 @@
             <a:lstStyle/>
             <a:p>
               <a:r>
-                <a:rPr lang="en-US" altLang="zh-CN" sz="800" dirty="0" smtClean="0"/>
+                <a:rPr lang="en-US" altLang="zh-CN" sz="800" dirty="0"/>
                 <a:t>A4</a:t>
               </a:r>
               <a:endParaRPr lang="zh-CN" altLang="en-US" sz="800" baseline="-25000" dirty="0"/>
@@ -11292,7 +11274,7 @@
           <a:lstStyle/>
           <a:p>
             <a:r>
-              <a:rPr lang="en-US" altLang="zh-TW" sz="800" dirty="0" smtClean="0"/>
+              <a:rPr lang="en-US" altLang="zh-TW" sz="800" dirty="0"/>
               <a:t>R1</a:t>
             </a:r>
             <a:endParaRPr lang="zh-TW" altLang="en-US" sz="800" baseline="-25000" dirty="0"/>
@@ -11322,7 +11304,7 @@
           <a:lstStyle/>
           <a:p>
             <a:r>
-              <a:rPr lang="en-US" altLang="zh-TW" sz="800" dirty="0" smtClean="0"/>
+              <a:rPr lang="en-US" altLang="zh-TW" sz="800" dirty="0"/>
               <a:t>R3</a:t>
             </a:r>
             <a:endParaRPr lang="zh-TW" altLang="en-US" sz="800" baseline="-25000" dirty="0"/>
@@ -11352,7 +11334,7 @@
           <a:lstStyle/>
           <a:p>
             <a:r>
-              <a:rPr lang="en-US" altLang="zh-TW" sz="800" dirty="0" smtClean="0"/>
+              <a:rPr lang="en-US" altLang="zh-TW" sz="800" dirty="0"/>
               <a:t>R2</a:t>
             </a:r>
             <a:endParaRPr lang="zh-TW" altLang="en-US" sz="800" baseline="-25000" dirty="0"/>
@@ -11385,11 +11367,11 @@
           <a:lstStyle/>
           <a:p>
             <a:r>
-              <a:rPr lang="en-US" altLang="zh-CN" sz="1600" dirty="0" smtClean="0"/>
+              <a:rPr lang="en-US" altLang="zh-CN" sz="1600" dirty="0"/>
               <a:t>Revised 3</a:t>
             </a:r>
             <a:r>
-              <a:rPr lang="en-US" altLang="zh-TW" sz="1600" dirty="0" smtClean="0"/>
+              <a:rPr lang="en-US" altLang="zh-TW" sz="1600" dirty="0"/>
               <a:t>-18</a:t>
             </a:r>
           </a:p>
@@ -11490,7 +11472,7 @@
           <a:lstStyle/>
           <a:p>
             <a:r>
-              <a:rPr lang="en-US" altLang="zh-TW" sz="800" dirty="0" smtClean="0"/>
+              <a:rPr lang="en-US" altLang="zh-TW" sz="800" dirty="0"/>
               <a:t>Edge</a:t>
             </a:r>
             <a:endParaRPr lang="zh-TW" altLang="en-US" sz="800" baseline="-25000" dirty="0"/>
@@ -11632,10 +11614,10 @@
           <a:lstStyle/>
           <a:p>
             <a:r>
-              <a:rPr lang="en-US" altLang="zh-CN" sz="1600" dirty="0" smtClean="0"/>
+              <a:rPr lang="en-US" altLang="zh-CN" sz="1600" dirty="0"/>
               <a:t>Figure 3-20a</a:t>
             </a:r>
-            <a:endParaRPr lang="en-US" altLang="zh-TW" sz="1600" dirty="0" smtClean="0"/>
+            <a:endParaRPr lang="en-US" altLang="zh-TW" sz="1600" dirty="0"/>
           </a:p>
         </p:txBody>
       </p:sp>
@@ -11987,7 +11969,7 @@
             <a:lstStyle/>
             <a:p>
               <a:r>
-                <a:rPr lang="en-US" altLang="zh-TW" sz="800" dirty="0" smtClean="0"/>
+                <a:rPr lang="en-US" altLang="zh-TW" sz="800" dirty="0"/>
                 <a:t>Circle Center</a:t>
               </a:r>
               <a:endParaRPr lang="zh-TW" altLang="en-US" sz="800" baseline="-25000" dirty="0"/>
@@ -12083,7 +12065,7 @@
                     </m:oMath>
                   </a14:m>
                   <a:r>
-                    <a:rPr lang="en-US" altLang="zh-TW" sz="800" baseline="-25000" dirty="0" smtClean="0"/>
+                    <a:rPr lang="en-US" altLang="zh-TW" sz="800" baseline="-25000" dirty="0"/>
                     <a:t>2</a:t>
                   </a:r>
                   <a:endParaRPr lang="zh-TW" altLang="en-US" sz="800" baseline="-25000" dirty="0"/>
@@ -12294,7 +12276,7 @@
                     </m:oMath>
                   </a14:m>
                   <a:r>
-                    <a:rPr lang="en-US" altLang="zh-TW" sz="800" baseline="-25000" dirty="0" smtClean="0"/>
+                    <a:rPr lang="en-US" altLang="zh-TW" sz="800" baseline="-25000" dirty="0"/>
                     <a:t>1</a:t>
                   </a:r>
                   <a:endParaRPr lang="zh-TW" altLang="en-US" sz="800" baseline="-25000" dirty="0"/>
@@ -12383,11 +12365,7 @@
             <a:p>
               <a:r>
                 <a:rPr lang="en-US" altLang="zh-TW" sz="800" dirty="0"/>
-                <a:t>d</a:t>
-              </a:r>
-              <a:r>
-                <a:rPr lang="en-US" altLang="zh-TW" sz="800" dirty="0" smtClean="0"/>
-                <a:t>ist = v1.length</a:t>
+                <a:t>dist = v1.length</a:t>
               </a:r>
               <a:endParaRPr lang="zh-TW" altLang="en-US" sz="800" baseline="-25000" dirty="0"/>
             </a:p>
@@ -12616,7 +12594,7 @@
             <a:lstStyle/>
             <a:p>
               <a:r>
-                <a:rPr lang="en-US" altLang="zh-TW" sz="800" dirty="0" smtClean="0"/>
+                <a:rPr lang="en-US" altLang="zh-TW" sz="800" dirty="0"/>
                 <a:t>radius</a:t>
               </a:r>
               <a:endParaRPr lang="zh-TW" altLang="en-US" sz="800" baseline="-25000" dirty="0"/>
@@ -13318,14 +13296,14 @@
           <a:p>
             <a:pPr algn="ctr"/>
             <a:r>
-              <a:rPr lang="en-US" altLang="zh-TW" sz="800" dirty="0" smtClean="0"/>
+              <a:rPr lang="en-US" altLang="zh-TW" sz="800" dirty="0"/>
               <a:t>Previous</a:t>
             </a:r>
           </a:p>
           <a:p>
             <a:pPr algn="ctr"/>
             <a:r>
-              <a:rPr lang="en-US" altLang="zh-TW" sz="800" dirty="0" smtClean="0"/>
+              <a:rPr lang="en-US" altLang="zh-TW" sz="800" dirty="0"/>
               <a:t>update</a:t>
             </a:r>
             <a:endParaRPr lang="zh-TW" altLang="en-US" sz="800" dirty="0"/>
@@ -13532,14 +13510,14 @@
           <a:p>
             <a:pPr algn="ctr"/>
             <a:r>
-              <a:rPr lang="en-US" altLang="zh-TW" sz="800" dirty="0" smtClean="0"/>
+              <a:rPr lang="en-US" altLang="zh-TW" sz="800" dirty="0"/>
               <a:t>Current</a:t>
             </a:r>
           </a:p>
           <a:p>
             <a:pPr algn="ctr"/>
             <a:r>
-              <a:rPr lang="en-US" altLang="zh-TW" sz="800" dirty="0" smtClean="0"/>
+              <a:rPr lang="en-US" altLang="zh-TW" sz="800" dirty="0"/>
               <a:t>update</a:t>
             </a:r>
             <a:endParaRPr lang="zh-TW" altLang="en-US" sz="800" dirty="0"/>
@@ -13742,15 +13720,15 @@
           <a:lstStyle/>
           <a:p>
             <a:r>
-              <a:rPr lang="en-US" altLang="zh-TW" sz="1600" dirty="0" smtClean="0"/>
+              <a:rPr lang="en-US" altLang="zh-TW" sz="1600" dirty="0"/>
               <a:t>Figure </a:t>
             </a:r>
             <a:r>
-              <a:rPr lang="en-US" altLang="zh-CN" sz="1600" dirty="0" smtClean="0"/>
+              <a:rPr lang="en-US" altLang="zh-CN" sz="1600" dirty="0"/>
               <a:t>3</a:t>
             </a:r>
             <a:r>
-              <a:rPr lang="en-US" altLang="zh-TW" sz="1600" dirty="0" smtClean="0"/>
+              <a:rPr lang="en-US" altLang="zh-TW" sz="1600" dirty="0"/>
               <a:t>-2</a:t>
             </a:r>
             <a:endParaRPr lang="zh-TW" altLang="en-US" sz="1600" baseline="-25000" dirty="0"/>
@@ -13935,15 +13913,15 @@
           <a:lstStyle/>
           <a:p>
             <a:r>
-              <a:rPr lang="en-US" altLang="zh-TW" sz="1600" dirty="0" smtClean="0"/>
+              <a:rPr lang="en-US" altLang="zh-TW" sz="1600" dirty="0"/>
               <a:t>Revised </a:t>
             </a:r>
             <a:r>
-              <a:rPr lang="en-US" altLang="zh-CN" sz="1600" dirty="0" smtClean="0"/>
+              <a:rPr lang="en-US" altLang="zh-CN" sz="1600" dirty="0"/>
               <a:t>3</a:t>
             </a:r>
             <a:r>
-              <a:rPr lang="en-US" altLang="zh-TW" sz="1600" dirty="0" smtClean="0"/>
+              <a:rPr lang="en-US" altLang="zh-TW" sz="1600" dirty="0"/>
               <a:t>-4</a:t>
             </a:r>
           </a:p>
@@ -14171,7 +14149,7 @@
           <a:lstStyle/>
           <a:p>
             <a:r>
-              <a:rPr lang="en-US" altLang="zh-CN" sz="800" dirty="0" smtClean="0"/>
+              <a:rPr lang="en-US" altLang="zh-CN" sz="800" dirty="0"/>
               <a:t>d</a:t>
             </a:r>
             <a:endParaRPr lang="zh-CN" altLang="en-US" sz="800" dirty="0"/>
@@ -14201,7 +14179,7 @@
           <a:lstStyle/>
           <a:p>
             <a:r>
-              <a:rPr lang="en-US" altLang="zh-CN" sz="800" dirty="0" smtClean="0"/>
+              <a:rPr lang="en-US" altLang="zh-CN" sz="800" dirty="0"/>
               <a:t>(a) No collision (d&gt;r1+r2)</a:t>
             </a:r>
             <a:endParaRPr lang="zh-CN" altLang="en-US" sz="800" dirty="0"/>
@@ -14283,7 +14261,7 @@
           <a:lstStyle/>
           <a:p>
             <a:r>
-              <a:rPr lang="en-US" altLang="zh-CN" sz="800" dirty="0" smtClean="0"/>
+              <a:rPr lang="en-US" altLang="zh-CN" sz="800" dirty="0"/>
               <a:t>r1</a:t>
             </a:r>
             <a:endParaRPr lang="zh-CN" altLang="en-US" sz="800" dirty="0"/>
@@ -14350,7 +14328,7 @@
           <a:lstStyle/>
           <a:p>
             <a:r>
-              <a:rPr lang="en-US" altLang="zh-CN" sz="800" dirty="0" smtClean="0"/>
+              <a:rPr lang="en-US" altLang="zh-CN" sz="800" dirty="0"/>
               <a:t>d</a:t>
             </a:r>
             <a:endParaRPr lang="zh-CN" altLang="en-US" sz="800" dirty="0"/>
@@ -14380,7 +14358,7 @@
           <a:lstStyle/>
           <a:p>
             <a:r>
-              <a:rPr lang="en-US" altLang="zh-CN" sz="800" dirty="0" smtClean="0"/>
+              <a:rPr lang="en-US" altLang="zh-CN" sz="800" dirty="0"/>
               <a:t>(b) Collision (d&lt;r1+r2)</a:t>
             </a:r>
             <a:endParaRPr lang="zh-CN" altLang="en-US" sz="800" dirty="0"/>
@@ -14606,7 +14584,7 @@
           <a:lstStyle/>
           <a:p>
             <a:r>
-              <a:rPr lang="en-US" altLang="zh-CN" sz="800" dirty="0" smtClean="0"/>
+              <a:rPr lang="en-US" altLang="zh-CN" sz="800" dirty="0"/>
               <a:t>r2</a:t>
             </a:r>
             <a:endParaRPr lang="zh-CN" altLang="en-US" sz="800" dirty="0"/>
@@ -14688,7 +14666,7 @@
           <a:lstStyle/>
           <a:p>
             <a:r>
-              <a:rPr lang="en-US" altLang="zh-CN" sz="800" dirty="0" smtClean="0"/>
+              <a:rPr lang="en-US" altLang="zh-CN" sz="800" dirty="0"/>
               <a:t>r1</a:t>
             </a:r>
             <a:endParaRPr lang="zh-CN" altLang="en-US" sz="800" dirty="0"/>
@@ -14914,7 +14892,7 @@
           <a:lstStyle/>
           <a:p>
             <a:r>
-              <a:rPr lang="en-US" altLang="zh-CN" sz="800" dirty="0" smtClean="0"/>
+              <a:rPr lang="en-US" altLang="zh-CN" sz="800" dirty="0"/>
               <a:t>r2</a:t>
             </a:r>
             <a:endParaRPr lang="zh-CN" altLang="en-US" sz="800" dirty="0"/>
@@ -15073,19 +15051,19 @@
           <a:lstStyle/>
           <a:p>
             <a:r>
-              <a:rPr lang="en-US" altLang="zh-TW" sz="1600" dirty="0" smtClean="0"/>
+              <a:rPr lang="en-US" altLang="zh-TW" sz="1600" dirty="0"/>
               <a:t>Revised </a:t>
             </a:r>
             <a:r>
-              <a:rPr lang="en-US" altLang="zh-CN" sz="1600" dirty="0" smtClean="0"/>
+              <a:rPr lang="en-US" altLang="zh-CN" sz="1600" dirty="0"/>
               <a:t>3</a:t>
             </a:r>
             <a:r>
-              <a:rPr lang="en-US" altLang="zh-TW" sz="1600" dirty="0" smtClean="0"/>
+              <a:rPr lang="en-US" altLang="zh-TW" sz="1600" dirty="0"/>
               <a:t>-</a:t>
             </a:r>
             <a:r>
-              <a:rPr lang="en-US" altLang="zh-CN" sz="1600" dirty="0" smtClean="0"/>
+              <a:rPr lang="en-US" altLang="zh-CN" sz="1600" dirty="0"/>
               <a:t>5</a:t>
             </a:r>
             <a:endParaRPr lang="zh-TW" altLang="en-US" sz="1600" baseline="-25000" dirty="0"/>
@@ -15190,7 +15168,7 @@
           <a:p>
             <a:pPr algn="ctr"/>
             <a:r>
-              <a:rPr lang="en-US" altLang="zh-CN" sz="800" dirty="0" smtClean="0"/>
+              <a:rPr lang="en-US" altLang="zh-CN" sz="800" dirty="0"/>
               <a:t>Shapes</a:t>
             </a:r>
             <a:endParaRPr lang="zh-TW" altLang="en-US" sz="800" dirty="0"/>
@@ -15224,12 +15202,8 @@
           <a:p>
             <a:pPr algn="ctr"/>
             <a:r>
-              <a:rPr lang="en-US" altLang="zh-CN" sz="800" dirty="0" smtClean="0"/>
-              <a:t>Bounding </a:t>
-            </a:r>
-            <a:r>
               <a:rPr lang="en-US" altLang="zh-CN" sz="800" dirty="0"/>
-              <a:t>circle</a:t>
+              <a:t>Bounding circle</a:t>
             </a:r>
             <a:endParaRPr lang="zh-TW" altLang="en-US" sz="800" dirty="0"/>
           </a:p>
@@ -15421,7 +15395,7 @@
             <a:lstStyle/>
             <a:p>
               <a:r>
-                <a:rPr lang="en-US" altLang="zh-CN" sz="900" dirty="0" smtClean="0"/>
+                <a:rPr lang="en-US" altLang="zh-CN" sz="900" dirty="0"/>
                 <a:t>A</a:t>
               </a:r>
               <a:endParaRPr lang="zh-CN" altLang="en-US" sz="900" dirty="0"/>
@@ -15453,7 +15427,7 @@
             <a:lstStyle/>
             <a:p>
               <a:r>
-                <a:rPr lang="en-US" altLang="zh-CN" sz="900" dirty="0" smtClean="0"/>
+                <a:rPr lang="en-US" altLang="zh-CN" sz="900" dirty="0"/>
                 <a:t>B</a:t>
               </a:r>
               <a:endParaRPr lang="zh-CN" altLang="en-US" sz="900" dirty="0"/>
@@ -15561,15 +15535,15 @@
           <a:lstStyle/>
           <a:p>
             <a:r>
-              <a:rPr lang="en-US" altLang="zh-TW" sz="1600" dirty="0" smtClean="0"/>
+              <a:rPr lang="en-US" altLang="zh-TW" sz="1600" dirty="0"/>
               <a:t>Revised </a:t>
             </a:r>
             <a:r>
-              <a:rPr lang="en-US" altLang="zh-CN" sz="1600" dirty="0" smtClean="0"/>
+              <a:rPr lang="en-US" altLang="zh-CN" sz="1600" dirty="0"/>
               <a:t>3</a:t>
             </a:r>
             <a:r>
-              <a:rPr lang="en-US" altLang="zh-TW" sz="1600" dirty="0" smtClean="0"/>
+              <a:rPr lang="en-US" altLang="zh-TW" sz="1600" dirty="0"/>
               <a:t>-6</a:t>
             </a:r>
             <a:endParaRPr lang="zh-TW" altLang="en-US" sz="1600" baseline="-25000" dirty="0"/>
@@ -15599,7 +15573,7 @@
           <a:lstStyle/>
           <a:p>
             <a:r>
-              <a:rPr lang="en-US" altLang="zh-CN" sz="900" dirty="0" smtClean="0"/>
+              <a:rPr lang="en-US" altLang="zh-CN" sz="900" dirty="0"/>
               <a:t>c1</a:t>
             </a:r>
             <a:endParaRPr lang="zh-CN" altLang="en-US" sz="900" dirty="0"/>
@@ -15629,7 +15603,7 @@
           <a:lstStyle/>
           <a:p>
             <a:r>
-              <a:rPr lang="en-US" altLang="zh-CN" sz="900" dirty="0" smtClean="0"/>
+              <a:rPr lang="en-US" altLang="zh-CN" sz="900" dirty="0"/>
               <a:t>r1</a:t>
             </a:r>
             <a:endParaRPr lang="zh-CN" altLang="en-US" sz="900" dirty="0"/>
@@ -15744,7 +15718,7 @@
           <a:lstStyle/>
           <a:p>
             <a:r>
-              <a:rPr lang="en-US" altLang="zh-CN" sz="800" dirty="0" smtClean="0"/>
+              <a:rPr lang="en-US" altLang="zh-CN" sz="800" dirty="0"/>
               <a:t>Normal</a:t>
             </a:r>
             <a:endParaRPr lang="zh-CN" altLang="en-US" sz="800" dirty="0"/>
@@ -15885,7 +15859,7 @@
           <a:lstStyle/>
           <a:p>
             <a:r>
-              <a:rPr lang="en-US" altLang="zh-CN" sz="800" dirty="0" smtClean="0"/>
+              <a:rPr lang="en-US" altLang="zh-CN" sz="800" dirty="0"/>
               <a:t>Depth</a:t>
             </a:r>
             <a:endParaRPr lang="zh-CN" altLang="en-US" sz="800" dirty="0"/>
@@ -16007,7 +15981,7 @@
           <a:lstStyle/>
           <a:p>
             <a:r>
-              <a:rPr lang="en-US" altLang="zh-CN" sz="800" dirty="0" smtClean="0"/>
+              <a:rPr lang="en-US" altLang="zh-CN" sz="800" dirty="0"/>
               <a:t>End</a:t>
             </a:r>
             <a:endParaRPr lang="zh-CN" altLang="en-US" sz="800" dirty="0"/>
@@ -16074,7 +16048,7 @@
           <a:lstStyle/>
           <a:p>
             <a:r>
-              <a:rPr lang="en-US" altLang="zh-CN" sz="900" dirty="0" smtClean="0"/>
+              <a:rPr lang="en-US" altLang="zh-CN" sz="900" dirty="0"/>
               <a:t>c2</a:t>
             </a:r>
             <a:endParaRPr lang="zh-CN" altLang="en-US" sz="900" dirty="0"/>
@@ -16196,7 +16170,7 @@
           <a:lstStyle/>
           <a:p>
             <a:r>
-              <a:rPr lang="en-US" altLang="zh-CN" sz="800" dirty="0" smtClean="0"/>
+              <a:rPr lang="en-US" altLang="zh-CN" sz="800" dirty="0"/>
               <a:t>Depth</a:t>
             </a:r>
             <a:endParaRPr lang="zh-CN" altLang="en-US" sz="800" dirty="0"/>
@@ -16302,7 +16276,7 @@
           <a:lstStyle/>
           <a:p>
             <a:r>
-              <a:rPr lang="en-US" altLang="zh-CN" sz="800" dirty="0" smtClean="0"/>
+              <a:rPr lang="en-US" altLang="zh-CN" sz="800" dirty="0"/>
               <a:t>Start</a:t>
             </a:r>
             <a:endParaRPr lang="zh-CN" altLang="en-US" sz="800" dirty="0"/>
@@ -16332,7 +16306,7 @@
           <a:lstStyle/>
           <a:p>
             <a:r>
-              <a:rPr lang="en-US" altLang="zh-CN" sz="800" dirty="0" smtClean="0"/>
+              <a:rPr lang="en-US" altLang="zh-CN" sz="800" dirty="0"/>
               <a:t>Normal</a:t>
             </a:r>
             <a:endParaRPr lang="zh-CN" altLang="en-US" sz="800" dirty="0"/>
@@ -16362,7 +16336,7 @@
           <a:lstStyle/>
           <a:p>
             <a:r>
-              <a:rPr lang="en-US" altLang="zh-CN" sz="800" dirty="0" smtClean="0"/>
+              <a:rPr lang="en-US" altLang="zh-CN" sz="800" dirty="0"/>
               <a:t>End</a:t>
             </a:r>
             <a:endParaRPr lang="zh-CN" altLang="en-US" sz="800" dirty="0"/>
@@ -16581,7 +16555,7 @@
           <a:lstStyle/>
           <a:p>
             <a:r>
-              <a:rPr lang="en-US" altLang="zh-CN" sz="800" dirty="0" smtClean="0"/>
+              <a:rPr lang="en-US" altLang="zh-CN" sz="800" dirty="0"/>
               <a:t>Start</a:t>
             </a:r>
             <a:endParaRPr lang="zh-CN" altLang="en-US" sz="800" dirty="0"/>
@@ -17093,15 +17067,15 @@
           <a:lstStyle/>
           <a:p>
             <a:r>
-              <a:rPr lang="en-US" altLang="zh-TW" sz="1600" dirty="0" smtClean="0"/>
+              <a:rPr lang="en-US" altLang="zh-TW" sz="1600" dirty="0"/>
               <a:t>Revised </a:t>
             </a:r>
             <a:r>
-              <a:rPr lang="en-US" altLang="zh-CN" sz="1600" dirty="0" smtClean="0"/>
+              <a:rPr lang="en-US" altLang="zh-CN" sz="1600" dirty="0"/>
               <a:t>3</a:t>
             </a:r>
             <a:r>
-              <a:rPr lang="en-US" altLang="zh-TW" sz="1600" dirty="0" smtClean="0"/>
+              <a:rPr lang="en-US" altLang="zh-TW" sz="1600" dirty="0"/>
               <a:t>-8</a:t>
             </a:r>
           </a:p>
@@ -17186,7 +17160,7 @@
           <a:lstStyle/>
           <a:p>
             <a:r>
-              <a:rPr lang="en-US" altLang="zh-CN" sz="900" dirty="0" smtClean="0"/>
+              <a:rPr lang="en-US" altLang="zh-CN" sz="900" dirty="0"/>
               <a:t>c1</a:t>
             </a:r>
             <a:endParaRPr lang="zh-CN" altLang="en-US" sz="900" dirty="0"/>
@@ -17216,7 +17190,7 @@
           <a:lstStyle/>
           <a:p>
             <a:r>
-              <a:rPr lang="en-US" altLang="zh-CN" sz="900" dirty="0" smtClean="0"/>
+              <a:rPr lang="en-US" altLang="zh-CN" sz="900" dirty="0"/>
               <a:t>c2</a:t>
             </a:r>
             <a:endParaRPr lang="zh-CN" altLang="en-US" sz="900" dirty="0"/>
@@ -17246,7 +17220,7 @@
           <a:lstStyle/>
           <a:p>
             <a:r>
-              <a:rPr lang="en-US" altLang="zh-CN" sz="800" dirty="0" smtClean="0"/>
+              <a:rPr lang="en-US" altLang="zh-CN" sz="800" dirty="0"/>
               <a:t>vFrom1to2</a:t>
             </a:r>
             <a:endParaRPr lang="zh-CN" altLang="en-US" sz="800" dirty="0"/>
@@ -17411,7 +17385,7 @@
           <a:lstStyle/>
           <a:p>
             <a:r>
-              <a:rPr lang="en-US" altLang="zh-CN" sz="800" dirty="0" smtClean="0"/>
+              <a:rPr lang="en-US" altLang="zh-CN" sz="800" dirty="0"/>
               <a:t>collisionInfo.mStart</a:t>
             </a:r>
             <a:endParaRPr lang="zh-CN" altLang="en-US" sz="800" dirty="0"/>
@@ -17513,7 +17487,7 @@
           <a:lstStyle/>
           <a:p>
             <a:r>
-              <a:rPr lang="en-US" altLang="zh-CN" sz="800" dirty="0" smtClean="0"/>
+              <a:rPr lang="en-US" altLang="zh-CN" sz="800" dirty="0"/>
               <a:t>dist</a:t>
             </a:r>
             <a:endParaRPr lang="zh-CN" altLang="en-US" sz="800" dirty="0"/>
@@ -17615,19 +17589,19 @@
           <a:lstStyle/>
           <a:p>
             <a:r>
-              <a:rPr lang="en-US" altLang="zh-CN" sz="800" dirty="0" err="1" smtClean="0"/>
+              <a:rPr lang="en-US" altLang="zh-CN" sz="800" dirty="0" err="1"/>
               <a:t>mDepth</a:t>
             </a:r>
             <a:r>
-              <a:rPr lang="en-US" altLang="zh-CN" sz="800" dirty="0" smtClean="0"/>
+              <a:rPr lang="en-US" altLang="zh-CN" sz="800" dirty="0"/>
               <a:t> = </a:t>
             </a:r>
             <a:r>
-              <a:rPr lang="en-US" altLang="zh-CN" sz="800" dirty="0" err="1" smtClean="0"/>
+              <a:rPr lang="en-US" altLang="zh-CN" sz="800" dirty="0" err="1"/>
               <a:t>rSum</a:t>
             </a:r>
             <a:r>
-              <a:rPr lang="en-US" altLang="zh-CN" sz="800" dirty="0" smtClean="0"/>
+              <a:rPr lang="en-US" altLang="zh-CN" sz="800" dirty="0"/>
               <a:t>  –  dist</a:t>
             </a:r>
             <a:endParaRPr lang="zh-CN" altLang="en-US" sz="800" dirty="0"/>
@@ -18483,15 +18457,15 @@
           <a:lstStyle/>
           <a:p>
             <a:r>
-              <a:rPr lang="en-US" altLang="zh-TW" sz="1600" dirty="0" smtClean="0"/>
+              <a:rPr lang="en-US" altLang="zh-TW" sz="1600" dirty="0"/>
               <a:t>Revised </a:t>
             </a:r>
             <a:r>
-              <a:rPr lang="en-US" altLang="zh-CN" sz="1600" dirty="0" smtClean="0"/>
+              <a:rPr lang="en-US" altLang="zh-CN" sz="1600" dirty="0"/>
               <a:t>3</a:t>
             </a:r>
             <a:r>
-              <a:rPr lang="en-US" altLang="zh-TW" sz="1600" dirty="0" smtClean="0"/>
+              <a:rPr lang="en-US" altLang="zh-TW" sz="1600" dirty="0"/>
               <a:t>-9</a:t>
             </a:r>
           </a:p>
@@ -18832,7 +18806,7 @@
           <a:lstStyle/>
           <a:p>
             <a:r>
-              <a:rPr lang="en-US" altLang="zh-CN" sz="900" dirty="0" smtClean="0"/>
+              <a:rPr lang="en-US" altLang="zh-CN" sz="900" dirty="0"/>
               <a:t>A</a:t>
             </a:r>
             <a:endParaRPr lang="zh-CN" altLang="en-US" sz="900" dirty="0"/>
@@ -18862,7 +18836,7 @@
           <a:lstStyle/>
           <a:p>
             <a:r>
-              <a:rPr lang="en-US" altLang="zh-CN" sz="900" dirty="0" smtClean="0"/>
+              <a:rPr lang="en-US" altLang="zh-CN" sz="900" dirty="0"/>
               <a:t>B</a:t>
             </a:r>
             <a:endParaRPr lang="zh-CN" altLang="en-US" sz="900" dirty="0"/>
@@ -18892,11 +18866,11 @@
           <a:lstStyle/>
           <a:p>
             <a:r>
-              <a:rPr lang="en-US" altLang="zh-CN" sz="800" dirty="0" smtClean="0"/>
+              <a:rPr lang="en-US" altLang="zh-CN" sz="800" dirty="0"/>
               <a:t>e</a:t>
             </a:r>
             <a:r>
-              <a:rPr lang="en-US" altLang="zh-CN" sz="800" baseline="-25000" dirty="0" smtClean="0"/>
+              <a:rPr lang="en-US" altLang="zh-CN" sz="800" baseline="-25000" dirty="0"/>
               <a:t>A1</a:t>
             </a:r>
             <a:endParaRPr lang="zh-CN" altLang="en-US" sz="800" baseline="-25000" dirty="0"/>
@@ -18926,11 +18900,11 @@
           <a:lstStyle/>
           <a:p>
             <a:r>
-              <a:rPr lang="en-US" altLang="zh-CN" sz="800" dirty="0" smtClean="0"/>
+              <a:rPr lang="en-US" altLang="zh-CN" sz="800" dirty="0"/>
               <a:t>e</a:t>
             </a:r>
             <a:r>
-              <a:rPr lang="en-US" altLang="zh-CN" sz="800" baseline="-25000" dirty="0" smtClean="0"/>
+              <a:rPr lang="en-US" altLang="zh-CN" sz="800" baseline="-25000" dirty="0"/>
               <a:t>A2</a:t>
             </a:r>
             <a:endParaRPr lang="zh-CN" altLang="en-US" sz="800" baseline="-25000" dirty="0"/>
@@ -18960,16 +18934,12 @@
           <a:lstStyle/>
           <a:p>
             <a:r>
-              <a:rPr lang="en-US" altLang="zh-CN" sz="800" dirty="0" smtClean="0"/>
+              <a:rPr lang="en-US" altLang="zh-CN" sz="800" dirty="0"/>
               <a:t>e</a:t>
             </a:r>
             <a:r>
               <a:rPr lang="en-US" altLang="zh-CN" sz="800" baseline="-25000" dirty="0"/>
-              <a:t>B</a:t>
-            </a:r>
-            <a:r>
-              <a:rPr lang="en-US" altLang="zh-CN" sz="800" baseline="-25000" dirty="0" smtClean="0"/>
-              <a:t>1</a:t>
+              <a:t>B1</a:t>
             </a:r>
             <a:endParaRPr lang="zh-CN" altLang="en-US" sz="800" baseline="-25000" dirty="0"/>
           </a:p>
@@ -18998,11 +18968,11 @@
           <a:lstStyle/>
           <a:p>
             <a:r>
-              <a:rPr lang="en-US" altLang="zh-CN" sz="800" dirty="0" smtClean="0"/>
+              <a:rPr lang="en-US" altLang="zh-CN" sz="800" dirty="0"/>
               <a:t>e</a:t>
             </a:r>
             <a:r>
-              <a:rPr lang="en-US" altLang="zh-CN" sz="800" baseline="-25000" dirty="0" smtClean="0"/>
+              <a:rPr lang="en-US" altLang="zh-CN" sz="800" baseline="-25000" dirty="0"/>
               <a:t>B2</a:t>
             </a:r>
             <a:endParaRPr lang="zh-CN" altLang="en-US" sz="800" baseline="-25000" dirty="0"/>
@@ -19033,14 +19003,10 @@
           <a:p>
             <a:r>
               <a:rPr lang="en-US" altLang="zh-CN" sz="800" dirty="0"/>
-              <a:t>Projected </a:t>
-            </a:r>
-            <a:r>
-              <a:rPr lang="en-US" altLang="zh-CN" sz="800" dirty="0" smtClean="0"/>
-              <a:t>e</a:t>
-            </a:r>
-            <a:r>
-              <a:rPr lang="en-US" altLang="zh-CN" sz="800" baseline="-25000" dirty="0" smtClean="0"/>
+              <a:t>Projected e</a:t>
+            </a:r>
+            <a:r>
+              <a:rPr lang="en-US" altLang="zh-CN" sz="800" baseline="-25000" dirty="0"/>
               <a:t>A1</a:t>
             </a:r>
             <a:endParaRPr lang="zh-CN" altLang="en-US" sz="800" baseline="-25000" dirty="0"/>
@@ -19071,14 +19037,10 @@
           <a:p>
             <a:r>
               <a:rPr lang="en-US" altLang="zh-CN" sz="800" dirty="0"/>
-              <a:t>Projected </a:t>
-            </a:r>
-            <a:r>
-              <a:rPr lang="en-US" altLang="zh-CN" sz="800" dirty="0" smtClean="0"/>
-              <a:t>e</a:t>
-            </a:r>
-            <a:r>
-              <a:rPr lang="en-US" altLang="zh-CN" sz="800" baseline="-25000" dirty="0" smtClean="0"/>
+              <a:t>Projected e</a:t>
+            </a:r>
+            <a:r>
+              <a:rPr lang="en-US" altLang="zh-CN" sz="800" baseline="-25000" dirty="0"/>
               <a:t>B1</a:t>
             </a:r>
             <a:endParaRPr lang="zh-CN" altLang="en-US" sz="800" baseline="-25000" dirty="0"/>
@@ -19108,7 +19070,7 @@
           <a:lstStyle/>
           <a:p>
             <a:r>
-              <a:rPr lang="en-US" altLang="zh-CN" sz="800" dirty="0" smtClean="0"/>
+              <a:rPr lang="en-US" altLang="zh-CN" sz="800" dirty="0"/>
               <a:t>Overlap part</a:t>
             </a:r>
           </a:p>
@@ -19282,14 +19244,10 @@
           <a:p>
             <a:r>
               <a:rPr lang="en-US" altLang="zh-CN" sz="800" dirty="0"/>
-              <a:t>Projected </a:t>
-            </a:r>
-            <a:r>
-              <a:rPr lang="en-US" altLang="zh-CN" sz="800" dirty="0" smtClean="0"/>
-              <a:t>e</a:t>
-            </a:r>
-            <a:r>
-              <a:rPr lang="en-US" altLang="zh-CN" sz="800" baseline="-25000" dirty="0" smtClean="0"/>
+              <a:t>Projected e</a:t>
+            </a:r>
+            <a:r>
+              <a:rPr lang="en-US" altLang="zh-CN" sz="800" baseline="-25000" dirty="0"/>
               <a:t>A2</a:t>
             </a:r>
             <a:endParaRPr lang="zh-CN" altLang="en-US" sz="800" baseline="-25000" dirty="0"/>
@@ -19320,14 +19278,10 @@
           <a:p>
             <a:r>
               <a:rPr lang="en-US" altLang="zh-CN" sz="800" dirty="0"/>
-              <a:t>Projected </a:t>
-            </a:r>
-            <a:r>
-              <a:rPr lang="en-US" altLang="zh-CN" sz="800" dirty="0" smtClean="0"/>
-              <a:t>e</a:t>
-            </a:r>
-            <a:r>
-              <a:rPr lang="en-US" altLang="zh-CN" sz="800" baseline="-25000" dirty="0" smtClean="0"/>
+              <a:t>Projected e</a:t>
+            </a:r>
+            <a:r>
+              <a:rPr lang="en-US" altLang="zh-CN" sz="800" baseline="-25000" dirty="0"/>
               <a:t>B2</a:t>
             </a:r>
             <a:endParaRPr lang="zh-CN" altLang="en-US" sz="800" baseline="-25000" dirty="0"/>
@@ -19360,7 +19314,6 @@
               <a:rPr lang="en-US" altLang="zh-CN" sz="800" dirty="0"/>
               <a:t>No overlaps</a:t>
             </a:r>
-            <a:endParaRPr lang="en-US" altLang="zh-CN" sz="800" dirty="0" smtClean="0"/>
           </a:p>
         </p:txBody>
       </p:sp>
@@ -19724,11 +19677,11 @@
           <a:lstStyle/>
           <a:p>
             <a:r>
-              <a:rPr lang="en-US" altLang="zh-CN" sz="1600" dirty="0" smtClean="0"/>
+              <a:rPr lang="en-US" altLang="zh-CN" sz="1600" dirty="0"/>
               <a:t>Revised 3</a:t>
             </a:r>
             <a:r>
-              <a:rPr lang="en-US" altLang="zh-TW" sz="1600" dirty="0" smtClean="0"/>
+              <a:rPr lang="en-US" altLang="zh-TW" sz="1600" dirty="0"/>
               <a:t>-10</a:t>
             </a:r>
           </a:p>
@@ -19757,7 +19710,7 @@
           <a:lstStyle/>
           <a:p>
             <a:r>
-              <a:rPr lang="en-US" altLang="zh-CN" sz="900" dirty="0" smtClean="0"/>
+              <a:rPr lang="en-US" altLang="zh-CN" sz="900" dirty="0"/>
               <a:t>A</a:t>
             </a:r>
             <a:endParaRPr lang="zh-CN" altLang="en-US" sz="900" dirty="0"/>
@@ -19787,7 +19740,7 @@
           <a:lstStyle/>
           <a:p>
             <a:r>
-              <a:rPr lang="en-US" altLang="zh-CN" sz="900" dirty="0" smtClean="0"/>
+              <a:rPr lang="en-US" altLang="zh-CN" sz="900" dirty="0"/>
               <a:t>B</a:t>
             </a:r>
             <a:endParaRPr lang="zh-CN" altLang="en-US" sz="900" dirty="0"/>
@@ -19817,7 +19770,7 @@
           <a:lstStyle/>
           <a:p>
             <a:r>
-              <a:rPr lang="en-US" altLang="zh-CN" sz="800" dirty="0" smtClean="0"/>
+              <a:rPr lang="en-US" altLang="zh-CN" sz="800" dirty="0"/>
               <a:t>A1</a:t>
             </a:r>
             <a:endParaRPr lang="zh-CN" altLang="en-US" sz="800" dirty="0"/>
@@ -19895,11 +19848,11 @@
           <a:lstStyle/>
           <a:p>
             <a:r>
-              <a:rPr lang="en-US" altLang="zh-CN" sz="800" dirty="0" smtClean="0"/>
+              <a:rPr lang="en-US" altLang="zh-CN" sz="800" dirty="0"/>
               <a:t>e</a:t>
             </a:r>
             <a:r>
-              <a:rPr lang="en-US" altLang="zh-CN" sz="800" baseline="-25000" dirty="0" smtClean="0"/>
+              <a:rPr lang="en-US" altLang="zh-CN" sz="800" baseline="-25000" dirty="0"/>
               <a:t>A1</a:t>
             </a:r>
             <a:endParaRPr lang="zh-CN" altLang="en-US" sz="800" baseline="-25000" dirty="0"/>
@@ -19929,11 +19882,11 @@
           <a:lstStyle/>
           <a:p>
             <a:r>
-              <a:rPr lang="en-US" altLang="zh-CN" sz="800" dirty="0" smtClean="0"/>
+              <a:rPr lang="en-US" altLang="zh-CN" sz="800" dirty="0"/>
               <a:t>e</a:t>
             </a:r>
             <a:r>
-              <a:rPr lang="en-US" altLang="zh-CN" sz="800" baseline="-25000" dirty="0" smtClean="0"/>
+              <a:rPr lang="en-US" altLang="zh-CN" sz="800" baseline="-25000" dirty="0"/>
               <a:t>A2</a:t>
             </a:r>
             <a:endParaRPr lang="zh-CN" altLang="en-US" sz="800" baseline="-25000" dirty="0"/>
@@ -19963,11 +19916,11 @@
           <a:lstStyle/>
           <a:p>
             <a:r>
-              <a:rPr lang="en-US" altLang="zh-CN" sz="800" dirty="0" smtClean="0"/>
+              <a:rPr lang="en-US" altLang="zh-CN" sz="800" dirty="0"/>
               <a:t>e</a:t>
             </a:r>
             <a:r>
-              <a:rPr lang="en-US" altLang="zh-CN" sz="800" baseline="-25000" dirty="0" smtClean="0"/>
+              <a:rPr lang="en-US" altLang="zh-CN" sz="800" baseline="-25000" dirty="0"/>
               <a:t>A3</a:t>
             </a:r>
             <a:endParaRPr lang="zh-CN" altLang="en-US" sz="800" baseline="-25000" dirty="0"/>
@@ -19997,11 +19950,11 @@
           <a:lstStyle/>
           <a:p>
             <a:r>
-              <a:rPr lang="en-US" altLang="zh-CN" sz="800" dirty="0" smtClean="0"/>
+              <a:rPr lang="en-US" altLang="zh-CN" sz="800" dirty="0"/>
               <a:t>e</a:t>
             </a:r>
             <a:r>
-              <a:rPr lang="en-US" altLang="zh-CN" sz="800" baseline="-25000" dirty="0" smtClean="0"/>
+              <a:rPr lang="en-US" altLang="zh-CN" sz="800" baseline="-25000" dirty="0"/>
               <a:t>A4</a:t>
             </a:r>
             <a:endParaRPr lang="zh-CN" altLang="en-US" sz="800" baseline="-25000" dirty="0"/>
@@ -20031,7 +19984,7 @@
           <a:lstStyle/>
           <a:p>
             <a:r>
-              <a:rPr lang="en-US" altLang="zh-CN" sz="800" dirty="0" smtClean="0"/>
+              <a:rPr lang="en-US" altLang="zh-CN" sz="800" dirty="0"/>
               <a:t>A2</a:t>
             </a:r>
             <a:endParaRPr lang="zh-CN" altLang="en-US" sz="800" dirty="0"/>
@@ -20061,7 +20014,7 @@
           <a:lstStyle/>
           <a:p>
             <a:r>
-              <a:rPr lang="en-US" altLang="zh-CN" sz="800" dirty="0" smtClean="0"/>
+              <a:rPr lang="en-US" altLang="zh-CN" sz="800" dirty="0"/>
               <a:t>A3</a:t>
             </a:r>
             <a:endParaRPr lang="zh-CN" altLang="en-US" sz="800" dirty="0"/>
@@ -20091,7 +20044,7 @@
           <a:lstStyle/>
           <a:p>
             <a:r>
-              <a:rPr lang="en-US" altLang="zh-CN" sz="800" dirty="0" smtClean="0"/>
+              <a:rPr lang="en-US" altLang="zh-CN" sz="800" dirty="0"/>
               <a:t>A4</a:t>
             </a:r>
             <a:endParaRPr lang="zh-CN" altLang="en-US" sz="800" dirty="0"/>
@@ -20121,7 +20074,7 @@
           <a:lstStyle/>
           <a:p>
             <a:r>
-              <a:rPr lang="en-US" altLang="zh-CN" sz="800" dirty="0" smtClean="0"/>
+              <a:rPr lang="en-US" altLang="zh-CN" sz="800" dirty="0"/>
               <a:t>B1</a:t>
             </a:r>
             <a:endParaRPr lang="zh-CN" altLang="en-US" sz="800" dirty="0"/>
@@ -20151,7 +20104,7 @@
           <a:lstStyle/>
           <a:p>
             <a:r>
-              <a:rPr lang="en-US" altLang="zh-CN" sz="800" dirty="0" smtClean="0"/>
+              <a:rPr lang="en-US" altLang="zh-CN" sz="800" dirty="0"/>
               <a:t>B2</a:t>
             </a:r>
             <a:endParaRPr lang="zh-CN" altLang="en-US" sz="800" dirty="0"/>
@@ -20181,7 +20134,7 @@
           <a:lstStyle/>
           <a:p>
             <a:r>
-              <a:rPr lang="en-US" altLang="zh-CN" sz="800" dirty="0" smtClean="0"/>
+              <a:rPr lang="en-US" altLang="zh-CN" sz="800" dirty="0"/>
               <a:t>B3</a:t>
             </a:r>
             <a:endParaRPr lang="zh-CN" altLang="en-US" sz="800" dirty="0"/>
@@ -20211,7 +20164,7 @@
           <a:lstStyle/>
           <a:p>
             <a:r>
-              <a:rPr lang="en-US" altLang="zh-CN" sz="800" dirty="0" smtClean="0"/>
+              <a:rPr lang="en-US" altLang="zh-CN" sz="800" dirty="0"/>
               <a:t>B4</a:t>
             </a:r>
             <a:endParaRPr lang="zh-CN" altLang="en-US" sz="800" dirty="0"/>
@@ -20241,11 +20194,11 @@
           <a:lstStyle/>
           <a:p>
             <a:r>
-              <a:rPr lang="en-US" altLang="zh-CN" sz="800" dirty="0" smtClean="0"/>
+              <a:rPr lang="en-US" altLang="zh-CN" sz="800" dirty="0"/>
               <a:t>e</a:t>
             </a:r>
             <a:r>
-              <a:rPr lang="en-US" altLang="zh-CN" sz="800" baseline="-25000" dirty="0" smtClean="0"/>
+              <a:rPr lang="en-US" altLang="zh-CN" sz="800" baseline="-25000" dirty="0"/>
               <a:t>B2</a:t>
             </a:r>
             <a:endParaRPr lang="zh-CN" altLang="en-US" sz="800" baseline="-25000" dirty="0"/>
@@ -20275,11 +20228,11 @@
           <a:lstStyle/>
           <a:p>
             <a:r>
-              <a:rPr lang="en-US" altLang="zh-CN" sz="800" dirty="0" smtClean="0"/>
+              <a:rPr lang="en-US" altLang="zh-CN" sz="800" dirty="0"/>
               <a:t>e</a:t>
             </a:r>
             <a:r>
-              <a:rPr lang="en-US" altLang="zh-CN" sz="800" baseline="-25000" dirty="0" smtClean="0"/>
+              <a:rPr lang="en-US" altLang="zh-CN" sz="800" baseline="-25000" dirty="0"/>
               <a:t>B3</a:t>
             </a:r>
             <a:endParaRPr lang="zh-CN" altLang="en-US" sz="800" baseline="-25000" dirty="0"/>
@@ -20309,11 +20262,11 @@
           <a:lstStyle/>
           <a:p>
             <a:r>
-              <a:rPr lang="en-US" altLang="zh-CN" sz="800" dirty="0" smtClean="0"/>
+              <a:rPr lang="en-US" altLang="zh-CN" sz="800" dirty="0"/>
               <a:t>e</a:t>
             </a:r>
             <a:r>
-              <a:rPr lang="en-US" altLang="zh-CN" sz="800" baseline="-25000" dirty="0" smtClean="0"/>
+              <a:rPr lang="en-US" altLang="zh-CN" sz="800" baseline="-25000" dirty="0"/>
               <a:t>B4</a:t>
             </a:r>
             <a:endParaRPr lang="zh-CN" altLang="en-US" sz="800" baseline="-25000" dirty="0"/>
@@ -20487,11 +20440,11 @@
           <a:lstStyle/>
           <a:p>
             <a:r>
-              <a:rPr lang="en-US" altLang="zh-CN" sz="800" dirty="0" smtClean="0"/>
+              <a:rPr lang="en-US" altLang="zh-CN" sz="800" dirty="0"/>
               <a:t>e</a:t>
             </a:r>
             <a:r>
-              <a:rPr lang="en-US" altLang="zh-CN" sz="800" baseline="-25000" dirty="0" smtClean="0"/>
+              <a:rPr lang="en-US" altLang="zh-CN" sz="800" baseline="-25000" dirty="0"/>
               <a:t>B1</a:t>
             </a:r>
             <a:endParaRPr lang="zh-CN" altLang="en-US" sz="800" baseline="-25000" dirty="0"/>
@@ -20713,28 +20666,28 @@
           <a:lstStyle/>
           <a:p>
             <a:r>
-              <a:rPr lang="en-US" altLang="zh-CN" sz="800" dirty="0" smtClean="0"/>
+              <a:rPr lang="en-US" altLang="zh-CN" sz="800" dirty="0"/>
               <a:t>E.g., A1 is the face normal of edge e</a:t>
             </a:r>
             <a:r>
-              <a:rPr lang="en-US" altLang="zh-CN" sz="800" baseline="-25000" dirty="0" smtClean="0"/>
+              <a:rPr lang="en-US" altLang="zh-CN" sz="800" baseline="-25000" dirty="0"/>
               <a:t>A1</a:t>
             </a:r>
             <a:r>
-              <a:rPr lang="en-US" altLang="zh-CN" sz="800" dirty="0" smtClean="0"/>
+              <a:rPr lang="en-US" altLang="zh-CN" sz="800" dirty="0"/>
               <a:t>, or </a:t>
             </a:r>
           </a:p>
           <a:p>
             <a:r>
-              <a:rPr lang="en-US" altLang="zh-CN" sz="800" dirty="0" smtClean="0"/>
+              <a:rPr lang="en-US" altLang="zh-CN" sz="800" dirty="0"/>
               <a:t>Axis A1 is perpendicular to edge e</a:t>
             </a:r>
             <a:r>
-              <a:rPr lang="en-US" altLang="zh-CN" sz="800" baseline="-25000" dirty="0" smtClean="0"/>
+              <a:rPr lang="en-US" altLang="zh-CN" sz="800" baseline="-25000" dirty="0"/>
               <a:t>A1</a:t>
             </a:r>
-            <a:endParaRPr lang="zh-CN" altLang="en-US" sz="800" baseline="-25000" dirty="0" smtClean="0"/>
+            <a:endParaRPr lang="zh-CN" altLang="en-US" sz="800" baseline="-25000" dirty="0"/>
           </a:p>
         </p:txBody>
       </p:sp>
@@ -21197,7 +21150,7 @@
           <a:lstStyle/>
           <a:p>
             <a:r>
-              <a:rPr lang="en-US" altLang="zh-CN" sz="900" dirty="0" smtClean="0"/>
+              <a:rPr lang="en-US" altLang="zh-CN" sz="900" dirty="0"/>
               <a:t>A</a:t>
             </a:r>
             <a:endParaRPr lang="zh-CN" altLang="en-US" sz="900" dirty="0"/>
@@ -21227,7 +21180,7 @@
           <a:lstStyle/>
           <a:p>
             <a:r>
-              <a:rPr lang="en-US" altLang="zh-CN" sz="900" dirty="0" smtClean="0"/>
+              <a:rPr lang="en-US" altLang="zh-CN" sz="900" dirty="0"/>
               <a:t>B</a:t>
             </a:r>
             <a:endParaRPr lang="zh-CN" altLang="en-US" sz="900" dirty="0"/>
@@ -21257,7 +21210,7 @@
           <a:lstStyle/>
           <a:p>
             <a:r>
-              <a:rPr lang="en-US" altLang="zh-CN" sz="800" dirty="0" smtClean="0"/>
+              <a:rPr lang="en-US" altLang="zh-CN" sz="800" dirty="0"/>
               <a:t>A1</a:t>
             </a:r>
             <a:endParaRPr lang="zh-CN" altLang="en-US" sz="800" dirty="0"/>
@@ -21478,11 +21431,11 @@
           <a:lstStyle/>
           <a:p>
             <a:r>
-              <a:rPr lang="en-US" altLang="zh-CN" sz="1600" dirty="0" smtClean="0"/>
+              <a:rPr lang="en-US" altLang="zh-CN" sz="1600" dirty="0"/>
               <a:t>Revised 3</a:t>
             </a:r>
             <a:r>
-              <a:rPr lang="en-US" altLang="zh-TW" sz="1600" dirty="0" smtClean="0"/>
+              <a:rPr lang="en-US" altLang="zh-TW" sz="1600" dirty="0"/>
               <a:t>-11</a:t>
             </a:r>
           </a:p>
